--- a/rdb/notes/개인공부/mysql/06_wrks/06_exec.pptx
+++ b/rdb/notes/개인공부/mysql/06_wrks/06_exec.pptx
@@ -260,7 +260,7 @@
           <a:p>
             <a:fld id="{0CD80827-633D-490B-AE56-C2EFEA58FCDE}" type="datetimeFigureOut">
               <a:rPr lang="ko-KR" altLang="en-US" smtClean="0"/>
-              <a:t>2023-06-08</a:t>
+              <a:t>2023-06-09</a:t>
             </a:fld>
             <a:endParaRPr lang="ko-KR" altLang="en-US"/>
           </a:p>
@@ -458,7 +458,7 @@
           <a:p>
             <a:fld id="{0CD80827-633D-490B-AE56-C2EFEA58FCDE}" type="datetimeFigureOut">
               <a:rPr lang="ko-KR" altLang="en-US" smtClean="0"/>
-              <a:t>2023-06-08</a:t>
+              <a:t>2023-06-09</a:t>
             </a:fld>
             <a:endParaRPr lang="ko-KR" altLang="en-US"/>
           </a:p>
@@ -666,7 +666,7 @@
           <a:p>
             <a:fld id="{0CD80827-633D-490B-AE56-C2EFEA58FCDE}" type="datetimeFigureOut">
               <a:rPr lang="ko-KR" altLang="en-US" smtClean="0"/>
-              <a:t>2023-06-08</a:t>
+              <a:t>2023-06-09</a:t>
             </a:fld>
             <a:endParaRPr lang="ko-KR" altLang="en-US"/>
           </a:p>
@@ -864,7 +864,7 @@
           <a:p>
             <a:fld id="{0CD80827-633D-490B-AE56-C2EFEA58FCDE}" type="datetimeFigureOut">
               <a:rPr lang="ko-KR" altLang="en-US" smtClean="0"/>
-              <a:t>2023-06-08</a:t>
+              <a:t>2023-06-09</a:t>
             </a:fld>
             <a:endParaRPr lang="ko-KR" altLang="en-US"/>
           </a:p>
@@ -1139,7 +1139,7 @@
           <a:p>
             <a:fld id="{0CD80827-633D-490B-AE56-C2EFEA58FCDE}" type="datetimeFigureOut">
               <a:rPr lang="ko-KR" altLang="en-US" smtClean="0"/>
-              <a:t>2023-06-08</a:t>
+              <a:t>2023-06-09</a:t>
             </a:fld>
             <a:endParaRPr lang="ko-KR" altLang="en-US"/>
           </a:p>
@@ -1404,7 +1404,7 @@
           <a:p>
             <a:fld id="{0CD80827-633D-490B-AE56-C2EFEA58FCDE}" type="datetimeFigureOut">
               <a:rPr lang="ko-KR" altLang="en-US" smtClean="0"/>
-              <a:t>2023-06-08</a:t>
+              <a:t>2023-06-09</a:t>
             </a:fld>
             <a:endParaRPr lang="ko-KR" altLang="en-US"/>
           </a:p>
@@ -1816,7 +1816,7 @@
           <a:p>
             <a:fld id="{0CD80827-633D-490B-AE56-C2EFEA58FCDE}" type="datetimeFigureOut">
               <a:rPr lang="ko-KR" altLang="en-US" smtClean="0"/>
-              <a:t>2023-06-08</a:t>
+              <a:t>2023-06-09</a:t>
             </a:fld>
             <a:endParaRPr lang="ko-KR" altLang="en-US"/>
           </a:p>
@@ -1957,7 +1957,7 @@
           <a:p>
             <a:fld id="{0CD80827-633D-490B-AE56-C2EFEA58FCDE}" type="datetimeFigureOut">
               <a:rPr lang="ko-KR" altLang="en-US" smtClean="0"/>
-              <a:t>2023-06-08</a:t>
+              <a:t>2023-06-09</a:t>
             </a:fld>
             <a:endParaRPr lang="ko-KR" altLang="en-US"/>
           </a:p>
@@ -2070,7 +2070,7 @@
           <a:p>
             <a:fld id="{0CD80827-633D-490B-AE56-C2EFEA58FCDE}" type="datetimeFigureOut">
               <a:rPr lang="ko-KR" altLang="en-US" smtClean="0"/>
-              <a:t>2023-06-08</a:t>
+              <a:t>2023-06-09</a:t>
             </a:fld>
             <a:endParaRPr lang="ko-KR" altLang="en-US"/>
           </a:p>
@@ -2381,7 +2381,7 @@
           <a:p>
             <a:fld id="{0CD80827-633D-490B-AE56-C2EFEA58FCDE}" type="datetimeFigureOut">
               <a:rPr lang="ko-KR" altLang="en-US" smtClean="0"/>
-              <a:t>2023-06-08</a:t>
+              <a:t>2023-06-09</a:t>
             </a:fld>
             <a:endParaRPr lang="ko-KR" altLang="en-US"/>
           </a:p>
@@ -2669,7 +2669,7 @@
           <a:p>
             <a:fld id="{0CD80827-633D-490B-AE56-C2EFEA58FCDE}" type="datetimeFigureOut">
               <a:rPr lang="ko-KR" altLang="en-US" smtClean="0"/>
-              <a:t>2023-06-08</a:t>
+              <a:t>2023-06-09</a:t>
             </a:fld>
             <a:endParaRPr lang="ko-KR" altLang="en-US"/>
           </a:p>
@@ -2910,7 +2910,7 @@
           <a:p>
             <a:fld id="{0CD80827-633D-490B-AE56-C2EFEA58FCDE}" type="datetimeFigureOut">
               <a:rPr lang="ko-KR" altLang="en-US" smtClean="0"/>
-              <a:t>2023-06-08</a:t>
+              <a:t>2023-06-09</a:t>
             </a:fld>
             <a:endParaRPr lang="ko-KR" altLang="en-US"/>
           </a:p>
@@ -5106,6 +5106,1326 @@
           <a:chExt cx="0" cy="0"/>
         </a:xfrm>
       </p:grpSpPr>
+      <p:sp>
+        <p:nvSpPr>
+          <p:cNvPr id="2" name="직사각형 1">
+            <a:extLst>
+              <a:ext uri="{FF2B5EF4-FFF2-40B4-BE49-F238E27FC236}">
+                <a16:creationId xmlns:a16="http://schemas.microsoft.com/office/drawing/2014/main" id="{2D9D7F00-8D56-4001-3FF6-BDC7128C4D87}"/>
+              </a:ext>
+            </a:extLst>
+          </p:cNvPr>
+          <p:cNvSpPr/>
+          <p:nvPr/>
+        </p:nvSpPr>
+        <p:spPr>
+          <a:xfrm>
+            <a:off x="2381756" y="2836216"/>
+            <a:ext cx="1844040" cy="960120"/>
+          </a:xfrm>
+          <a:prstGeom prst="rect">
+            <a:avLst/>
+          </a:prstGeom>
+        </p:spPr>
+        <p:style>
+          <a:lnRef idx="2">
+            <a:schemeClr val="accent1">
+              <a:shade val="50000"/>
+            </a:schemeClr>
+          </a:lnRef>
+          <a:fillRef idx="1">
+            <a:schemeClr val="accent1"/>
+          </a:fillRef>
+          <a:effectRef idx="0">
+            <a:schemeClr val="accent1"/>
+          </a:effectRef>
+          <a:fontRef idx="minor">
+            <a:schemeClr val="lt1"/>
+          </a:fontRef>
+        </p:style>
+        <p:txBody>
+          <a:bodyPr rtlCol="0" anchor="ctr"/>
+          <a:lstStyle/>
+          <a:p>
+            <a:pPr algn="ctr"/>
+            <a:r>
+              <a:rPr lang="ko-KR" altLang="en-US" dirty="0">
+                <a:solidFill>
+                  <a:schemeClr val="bg1"/>
+                </a:solidFill>
+              </a:rPr>
+              <a:t>주차공간</a:t>
+            </a:r>
+            <a:endParaRPr lang="en-US" altLang="ko-KR" dirty="0">
+              <a:solidFill>
+                <a:schemeClr val="bg1"/>
+              </a:solidFill>
+            </a:endParaRPr>
+          </a:p>
+        </p:txBody>
+      </p:sp>
+      <p:sp>
+        <p:nvSpPr>
+          <p:cNvPr id="3" name="직사각형 2">
+            <a:extLst>
+              <a:ext uri="{FF2B5EF4-FFF2-40B4-BE49-F238E27FC236}">
+                <a16:creationId xmlns:a16="http://schemas.microsoft.com/office/drawing/2014/main" id="{4CF83CCE-EC81-390A-E236-6E8314EA398F}"/>
+              </a:ext>
+            </a:extLst>
+          </p:cNvPr>
+          <p:cNvSpPr/>
+          <p:nvPr/>
+        </p:nvSpPr>
+        <p:spPr>
+          <a:xfrm>
+            <a:off x="7610016" y="3197417"/>
+            <a:ext cx="1844040" cy="598919"/>
+          </a:xfrm>
+          <a:prstGeom prst="rect">
+            <a:avLst/>
+          </a:prstGeom>
+        </p:spPr>
+        <p:style>
+          <a:lnRef idx="2">
+            <a:schemeClr val="accent1">
+              <a:shade val="50000"/>
+            </a:schemeClr>
+          </a:lnRef>
+          <a:fillRef idx="1">
+            <a:schemeClr val="accent1"/>
+          </a:fillRef>
+          <a:effectRef idx="0">
+            <a:schemeClr val="accent1"/>
+          </a:effectRef>
+          <a:fontRef idx="minor">
+            <a:schemeClr val="lt1"/>
+          </a:fontRef>
+        </p:style>
+        <p:txBody>
+          <a:bodyPr rtlCol="0" anchor="ctr"/>
+          <a:lstStyle/>
+          <a:p>
+            <a:pPr algn="ctr"/>
+            <a:r>
+              <a:rPr lang="ko-KR" altLang="en-US"/>
+              <a:t>직원</a:t>
+            </a:r>
+          </a:p>
+        </p:txBody>
+      </p:sp>
+      <p:sp>
+        <p:nvSpPr>
+          <p:cNvPr id="5" name="TextBox 4">
+            <a:extLst>
+              <a:ext uri="{FF2B5EF4-FFF2-40B4-BE49-F238E27FC236}">
+                <a16:creationId xmlns:a16="http://schemas.microsoft.com/office/drawing/2014/main" id="{254E1B35-8D33-F61B-714D-166C66E8A5F9}"/>
+              </a:ext>
+            </a:extLst>
+          </p:cNvPr>
+          <p:cNvSpPr txBox="1"/>
+          <p:nvPr/>
+        </p:nvSpPr>
+        <p:spPr>
+          <a:xfrm>
+            <a:off x="4335653" y="2844563"/>
+            <a:ext cx="311304" cy="369332"/>
+          </a:xfrm>
+          <a:prstGeom prst="rect">
+            <a:avLst/>
+          </a:prstGeom>
+          <a:noFill/>
+        </p:spPr>
+        <p:txBody>
+          <a:bodyPr wrap="square" rtlCol="0">
+            <a:spAutoFit/>
+          </a:bodyPr>
+          <a:lstStyle/>
+          <a:p>
+            <a:r>
+              <a:rPr lang="en-US" altLang="ko-KR" dirty="0"/>
+              <a:t>1</a:t>
+            </a:r>
+            <a:endParaRPr lang="ko-KR" altLang="en-US" dirty="0"/>
+          </a:p>
+        </p:txBody>
+      </p:sp>
+      <p:sp>
+        <p:nvSpPr>
+          <p:cNvPr id="6" name="TextBox 5">
+            <a:extLst>
+              <a:ext uri="{FF2B5EF4-FFF2-40B4-BE49-F238E27FC236}">
+                <a16:creationId xmlns:a16="http://schemas.microsoft.com/office/drawing/2014/main" id="{6CA0A4F1-61C0-9D84-3923-8723801D5E61}"/>
+              </a:ext>
+            </a:extLst>
+          </p:cNvPr>
+          <p:cNvSpPr txBox="1"/>
+          <p:nvPr/>
+        </p:nvSpPr>
+        <p:spPr>
+          <a:xfrm>
+            <a:off x="7046136" y="2638097"/>
+            <a:ext cx="311304" cy="369332"/>
+          </a:xfrm>
+          <a:prstGeom prst="rect">
+            <a:avLst/>
+          </a:prstGeom>
+          <a:noFill/>
+        </p:spPr>
+        <p:txBody>
+          <a:bodyPr wrap="square" rtlCol="0">
+            <a:spAutoFit/>
+          </a:bodyPr>
+          <a:lstStyle/>
+          <a:p>
+            <a:r>
+              <a:rPr lang="en-US" altLang="ko-KR" dirty="0"/>
+              <a:t>1</a:t>
+            </a:r>
+          </a:p>
+        </p:txBody>
+      </p:sp>
+      <p:cxnSp>
+        <p:nvCxnSpPr>
+          <p:cNvPr id="10" name="직선 연결선 9">
+            <a:extLst>
+              <a:ext uri="{FF2B5EF4-FFF2-40B4-BE49-F238E27FC236}">
+                <a16:creationId xmlns:a16="http://schemas.microsoft.com/office/drawing/2014/main" id="{E47F0EA2-2A90-5D9A-26E0-EC6CEA314551}"/>
+              </a:ext>
+            </a:extLst>
+          </p:cNvPr>
+          <p:cNvCxnSpPr>
+            <a:cxnSpLocks/>
+            <a:stCxn id="3" idx="1"/>
+            <a:endCxn id="11" idx="3"/>
+          </p:cNvCxnSpPr>
+          <p:nvPr/>
+        </p:nvCxnSpPr>
+        <p:spPr>
+          <a:xfrm flipH="1" flipV="1">
+            <a:off x="6607991" y="3151877"/>
+            <a:ext cx="1002025" cy="345000"/>
+          </a:xfrm>
+          <a:prstGeom prst="line">
+            <a:avLst/>
+          </a:prstGeom>
+          <a:ln w="63500" cmpd="sng">
+            <a:prstDash val="solid"/>
+          </a:ln>
+        </p:spPr>
+        <p:style>
+          <a:lnRef idx="1">
+            <a:schemeClr val="accent1"/>
+          </a:lnRef>
+          <a:fillRef idx="0">
+            <a:schemeClr val="accent1"/>
+          </a:fillRef>
+          <a:effectRef idx="0">
+            <a:schemeClr val="accent1"/>
+          </a:effectRef>
+          <a:fontRef idx="minor">
+            <a:schemeClr val="tx1"/>
+          </a:fontRef>
+        </p:style>
+      </p:cxnSp>
+      <p:sp>
+        <p:nvSpPr>
+          <p:cNvPr id="11" name="다이아몬드 10">
+            <a:extLst>
+              <a:ext uri="{FF2B5EF4-FFF2-40B4-BE49-F238E27FC236}">
+                <a16:creationId xmlns:a16="http://schemas.microsoft.com/office/drawing/2014/main" id="{592271F5-5F85-A9C9-FB9F-2B13C28B1B06}"/>
+              </a:ext>
+            </a:extLst>
+          </p:cNvPr>
+          <p:cNvSpPr/>
+          <p:nvPr/>
+        </p:nvSpPr>
+        <p:spPr>
+          <a:xfrm>
+            <a:off x="4885874" y="2638097"/>
+            <a:ext cx="1722117" cy="1027560"/>
+          </a:xfrm>
+          <a:prstGeom prst="diamond">
+            <a:avLst/>
+          </a:prstGeom>
+          <a:ln w="63500" cmpd="sng">
+            <a:solidFill>
+              <a:schemeClr val="tx1"/>
+            </a:solidFill>
+          </a:ln>
+        </p:spPr>
+        <p:style>
+          <a:lnRef idx="2">
+            <a:schemeClr val="accent1">
+              <a:shade val="50000"/>
+            </a:schemeClr>
+          </a:lnRef>
+          <a:fillRef idx="1">
+            <a:schemeClr val="accent1"/>
+          </a:fillRef>
+          <a:effectRef idx="0">
+            <a:schemeClr val="accent1"/>
+          </a:effectRef>
+          <a:fontRef idx="minor">
+            <a:schemeClr val="lt1"/>
+          </a:fontRef>
+        </p:style>
+        <p:txBody>
+          <a:bodyPr rtlCol="0" anchor="ctr"/>
+          <a:lstStyle/>
+          <a:p>
+            <a:pPr algn="ctr"/>
+            <a:r>
+              <a:rPr lang="ko-KR" altLang="en-US" dirty="0"/>
+              <a:t>사용</a:t>
+            </a:r>
+          </a:p>
+        </p:txBody>
+      </p:sp>
+      <p:cxnSp>
+        <p:nvCxnSpPr>
+          <p:cNvPr id="12" name="직선 연결선 11">
+            <a:extLst>
+              <a:ext uri="{FF2B5EF4-FFF2-40B4-BE49-F238E27FC236}">
+                <a16:creationId xmlns:a16="http://schemas.microsoft.com/office/drawing/2014/main" id="{DFCA3CD5-5004-894B-D0F7-4B9C49C7C794}"/>
+              </a:ext>
+            </a:extLst>
+          </p:cNvPr>
+          <p:cNvCxnSpPr>
+            <a:cxnSpLocks/>
+            <a:stCxn id="11" idx="1"/>
+            <a:endCxn id="2" idx="3"/>
+          </p:cNvCxnSpPr>
+          <p:nvPr/>
+        </p:nvCxnSpPr>
+        <p:spPr>
+          <a:xfrm flipH="1">
+            <a:off x="4225796" y="3151877"/>
+            <a:ext cx="660078" cy="164399"/>
+          </a:xfrm>
+          <a:prstGeom prst="line">
+            <a:avLst/>
+          </a:prstGeom>
+          <a:ln w="63500" cmpd="sng">
+            <a:prstDash val="solid"/>
+          </a:ln>
+        </p:spPr>
+        <p:style>
+          <a:lnRef idx="1">
+            <a:schemeClr val="accent1"/>
+          </a:lnRef>
+          <a:fillRef idx="0">
+            <a:schemeClr val="accent1"/>
+          </a:fillRef>
+          <a:effectRef idx="0">
+            <a:schemeClr val="accent1"/>
+          </a:effectRef>
+          <a:fontRef idx="minor">
+            <a:schemeClr val="tx1"/>
+          </a:fontRef>
+        </p:style>
+      </p:cxnSp>
+      <p:sp>
+        <p:nvSpPr>
+          <p:cNvPr id="17" name="타원 16">
+            <a:extLst>
+              <a:ext uri="{FF2B5EF4-FFF2-40B4-BE49-F238E27FC236}">
+                <a16:creationId xmlns:a16="http://schemas.microsoft.com/office/drawing/2014/main" id="{6CCE4784-2E4E-7102-9EBF-B35B8E75E1D0}"/>
+              </a:ext>
+            </a:extLst>
+          </p:cNvPr>
+          <p:cNvSpPr/>
+          <p:nvPr/>
+        </p:nvSpPr>
+        <p:spPr>
+          <a:xfrm>
+            <a:off x="1872963" y="4529238"/>
+            <a:ext cx="1103784" cy="661184"/>
+          </a:xfrm>
+          <a:prstGeom prst="ellipse">
+            <a:avLst/>
+          </a:prstGeom>
+        </p:spPr>
+        <p:style>
+          <a:lnRef idx="2">
+            <a:schemeClr val="accent1">
+              <a:shade val="50000"/>
+            </a:schemeClr>
+          </a:lnRef>
+          <a:fillRef idx="1">
+            <a:schemeClr val="accent1"/>
+          </a:fillRef>
+          <a:effectRef idx="0">
+            <a:schemeClr val="accent1"/>
+          </a:effectRef>
+          <a:fontRef idx="minor">
+            <a:schemeClr val="lt1"/>
+          </a:fontRef>
+        </p:style>
+        <p:txBody>
+          <a:bodyPr rtlCol="0" anchor="ctr"/>
+          <a:lstStyle/>
+          <a:p>
+            <a:pPr algn="ctr"/>
+            <a:r>
+              <a:rPr lang="ko-KR" altLang="en-US" dirty="0"/>
+              <a:t>위치</a:t>
+            </a:r>
+            <a:endParaRPr lang="en-US" altLang="ko-KR" dirty="0"/>
+          </a:p>
+        </p:txBody>
+      </p:sp>
+      <p:sp>
+        <p:nvSpPr>
+          <p:cNvPr id="18" name="타원 17">
+            <a:extLst>
+              <a:ext uri="{FF2B5EF4-FFF2-40B4-BE49-F238E27FC236}">
+                <a16:creationId xmlns:a16="http://schemas.microsoft.com/office/drawing/2014/main" id="{D113C3BF-DCE1-64BA-8CB6-780E9BD8ACCE}"/>
+              </a:ext>
+            </a:extLst>
+          </p:cNvPr>
+          <p:cNvSpPr/>
+          <p:nvPr/>
+        </p:nvSpPr>
+        <p:spPr>
+          <a:xfrm>
+            <a:off x="3207923" y="4569636"/>
+            <a:ext cx="1103784" cy="661184"/>
+          </a:xfrm>
+          <a:prstGeom prst="ellipse">
+            <a:avLst/>
+          </a:prstGeom>
+        </p:spPr>
+        <p:style>
+          <a:lnRef idx="2">
+            <a:schemeClr val="accent1">
+              <a:shade val="50000"/>
+            </a:schemeClr>
+          </a:lnRef>
+          <a:fillRef idx="1">
+            <a:schemeClr val="accent1"/>
+          </a:fillRef>
+          <a:effectRef idx="0">
+            <a:schemeClr val="accent1"/>
+          </a:effectRef>
+          <a:fontRef idx="minor">
+            <a:schemeClr val="lt1"/>
+          </a:fontRef>
+        </p:style>
+        <p:txBody>
+          <a:bodyPr rtlCol="0" anchor="ctr"/>
+          <a:lstStyle/>
+          <a:p>
+            <a:pPr algn="ctr"/>
+            <a:r>
+              <a:rPr lang="ko-KR" altLang="en-US" dirty="0"/>
+              <a:t>주차대수</a:t>
+            </a:r>
+          </a:p>
+        </p:txBody>
+      </p:sp>
+      <p:cxnSp>
+        <p:nvCxnSpPr>
+          <p:cNvPr id="19" name="직선 연결선 18">
+            <a:extLst>
+              <a:ext uri="{FF2B5EF4-FFF2-40B4-BE49-F238E27FC236}">
+                <a16:creationId xmlns:a16="http://schemas.microsoft.com/office/drawing/2014/main" id="{092AE3B5-8A6D-81AA-1D58-9CA086B561F6}"/>
+              </a:ext>
+            </a:extLst>
+          </p:cNvPr>
+          <p:cNvCxnSpPr>
+            <a:cxnSpLocks/>
+            <a:stCxn id="18" idx="0"/>
+            <a:endCxn id="2" idx="2"/>
+          </p:cNvCxnSpPr>
+          <p:nvPr/>
+        </p:nvCxnSpPr>
+        <p:spPr>
+          <a:xfrm flipH="1" flipV="1">
+            <a:off x="3303776" y="3796336"/>
+            <a:ext cx="456039" cy="773300"/>
+          </a:xfrm>
+          <a:prstGeom prst="line">
+            <a:avLst/>
+          </a:prstGeom>
+          <a:ln w="63500" cmpd="sng">
+            <a:prstDash val="solid"/>
+          </a:ln>
+        </p:spPr>
+        <p:style>
+          <a:lnRef idx="1">
+            <a:schemeClr val="accent1"/>
+          </a:lnRef>
+          <a:fillRef idx="0">
+            <a:schemeClr val="accent1"/>
+          </a:fillRef>
+          <a:effectRef idx="0">
+            <a:schemeClr val="accent1"/>
+          </a:effectRef>
+          <a:fontRef idx="minor">
+            <a:schemeClr val="tx1"/>
+          </a:fontRef>
+        </p:style>
+      </p:cxnSp>
+      <p:cxnSp>
+        <p:nvCxnSpPr>
+          <p:cNvPr id="20" name="직선 연결선 19">
+            <a:extLst>
+              <a:ext uri="{FF2B5EF4-FFF2-40B4-BE49-F238E27FC236}">
+                <a16:creationId xmlns:a16="http://schemas.microsoft.com/office/drawing/2014/main" id="{7A01BE27-89C1-A373-40FB-15C8A876392A}"/>
+              </a:ext>
+            </a:extLst>
+          </p:cNvPr>
+          <p:cNvCxnSpPr>
+            <a:cxnSpLocks/>
+            <a:stCxn id="17" idx="0"/>
+            <a:endCxn id="2" idx="2"/>
+          </p:cNvCxnSpPr>
+          <p:nvPr/>
+        </p:nvCxnSpPr>
+        <p:spPr>
+          <a:xfrm flipV="1">
+            <a:off x="2424855" y="3796336"/>
+            <a:ext cx="878921" cy="732902"/>
+          </a:xfrm>
+          <a:prstGeom prst="line">
+            <a:avLst/>
+          </a:prstGeom>
+          <a:ln w="63500" cmpd="sng">
+            <a:prstDash val="solid"/>
+          </a:ln>
+        </p:spPr>
+        <p:style>
+          <a:lnRef idx="1">
+            <a:schemeClr val="accent1"/>
+          </a:lnRef>
+          <a:fillRef idx="0">
+            <a:schemeClr val="accent1"/>
+          </a:fillRef>
+          <a:effectRef idx="0">
+            <a:schemeClr val="accent1"/>
+          </a:effectRef>
+          <a:fontRef idx="minor">
+            <a:schemeClr val="tx1"/>
+          </a:fontRef>
+        </p:style>
+      </p:cxnSp>
+      <p:sp>
+        <p:nvSpPr>
+          <p:cNvPr id="25" name="타원 24">
+            <a:extLst>
+              <a:ext uri="{FF2B5EF4-FFF2-40B4-BE49-F238E27FC236}">
+                <a16:creationId xmlns:a16="http://schemas.microsoft.com/office/drawing/2014/main" id="{3576D48C-AEB8-484F-6E0E-8B095D393B7D}"/>
+              </a:ext>
+            </a:extLst>
+          </p:cNvPr>
+          <p:cNvSpPr/>
+          <p:nvPr/>
+        </p:nvSpPr>
+        <p:spPr>
+          <a:xfrm>
+            <a:off x="8104761" y="4926459"/>
+            <a:ext cx="2647321" cy="527927"/>
+          </a:xfrm>
+          <a:prstGeom prst="ellipse">
+            <a:avLst/>
+          </a:prstGeom>
+        </p:spPr>
+        <p:style>
+          <a:lnRef idx="2">
+            <a:schemeClr val="accent1">
+              <a:shade val="50000"/>
+            </a:schemeClr>
+          </a:lnRef>
+          <a:fillRef idx="1">
+            <a:schemeClr val="accent1"/>
+          </a:fillRef>
+          <a:effectRef idx="0">
+            <a:schemeClr val="accent1"/>
+          </a:effectRef>
+          <a:fontRef idx="minor">
+            <a:schemeClr val="lt1"/>
+          </a:fontRef>
+        </p:style>
+        <p:txBody>
+          <a:bodyPr rtlCol="0" anchor="ctr"/>
+          <a:lstStyle/>
+          <a:p>
+            <a:pPr algn="ctr"/>
+            <a:r>
+              <a:rPr lang="ko-KR" altLang="en-US"/>
+              <a:t>운전면허번호</a:t>
+            </a:r>
+            <a:endParaRPr lang="ko-KR" altLang="en-US" dirty="0"/>
+          </a:p>
+        </p:txBody>
+      </p:sp>
+      <p:sp>
+        <p:nvSpPr>
+          <p:cNvPr id="26" name="타원 25">
+            <a:extLst>
+              <a:ext uri="{FF2B5EF4-FFF2-40B4-BE49-F238E27FC236}">
+                <a16:creationId xmlns:a16="http://schemas.microsoft.com/office/drawing/2014/main" id="{969B5681-2D6C-1BA0-334B-18E3D177532E}"/>
+              </a:ext>
+            </a:extLst>
+          </p:cNvPr>
+          <p:cNvSpPr/>
+          <p:nvPr/>
+        </p:nvSpPr>
+        <p:spPr>
+          <a:xfrm>
+            <a:off x="10022304" y="2289333"/>
+            <a:ext cx="1103784" cy="661184"/>
+          </a:xfrm>
+          <a:prstGeom prst="ellipse">
+            <a:avLst/>
+          </a:prstGeom>
+        </p:spPr>
+        <p:style>
+          <a:lnRef idx="2">
+            <a:schemeClr val="accent1">
+              <a:shade val="50000"/>
+            </a:schemeClr>
+          </a:lnRef>
+          <a:fillRef idx="1">
+            <a:schemeClr val="accent1"/>
+          </a:fillRef>
+          <a:effectRef idx="0">
+            <a:schemeClr val="accent1"/>
+          </a:effectRef>
+          <a:fontRef idx="minor">
+            <a:schemeClr val="lt1"/>
+          </a:fontRef>
+        </p:style>
+        <p:txBody>
+          <a:bodyPr rtlCol="0" anchor="ctr"/>
+          <a:lstStyle/>
+          <a:p>
+            <a:pPr algn="ctr"/>
+            <a:r>
+              <a:rPr lang="ko-KR" altLang="en-US" dirty="0"/>
+              <a:t>이름</a:t>
+            </a:r>
+          </a:p>
+        </p:txBody>
+      </p:sp>
+      <p:sp>
+        <p:nvSpPr>
+          <p:cNvPr id="27" name="타원 26">
+            <a:extLst>
+              <a:ext uri="{FF2B5EF4-FFF2-40B4-BE49-F238E27FC236}">
+                <a16:creationId xmlns:a16="http://schemas.microsoft.com/office/drawing/2014/main" id="{328A6893-F838-7864-7DC9-41BB6D99EBB2}"/>
+              </a:ext>
+            </a:extLst>
+          </p:cNvPr>
+          <p:cNvSpPr/>
+          <p:nvPr/>
+        </p:nvSpPr>
+        <p:spPr>
+          <a:xfrm>
+            <a:off x="8104762" y="2140435"/>
+            <a:ext cx="1103784" cy="661184"/>
+          </a:xfrm>
+          <a:prstGeom prst="ellipse">
+            <a:avLst/>
+          </a:prstGeom>
+        </p:spPr>
+        <p:style>
+          <a:lnRef idx="2">
+            <a:schemeClr val="accent1">
+              <a:shade val="50000"/>
+            </a:schemeClr>
+          </a:lnRef>
+          <a:fillRef idx="1">
+            <a:schemeClr val="accent1"/>
+          </a:fillRef>
+          <a:effectRef idx="0">
+            <a:schemeClr val="accent1"/>
+          </a:effectRef>
+          <a:fontRef idx="minor">
+            <a:schemeClr val="lt1"/>
+          </a:fontRef>
+        </p:style>
+        <p:txBody>
+          <a:bodyPr rtlCol="0" anchor="ctr"/>
+          <a:lstStyle/>
+          <a:p>
+            <a:pPr algn="ctr"/>
+            <a:r>
+              <a:rPr lang="ko-KR" altLang="en-US" dirty="0"/>
+              <a:t>직원번호</a:t>
+            </a:r>
+          </a:p>
+        </p:txBody>
+      </p:sp>
+      <p:cxnSp>
+        <p:nvCxnSpPr>
+          <p:cNvPr id="30" name="직선 연결선 29">
+            <a:extLst>
+              <a:ext uri="{FF2B5EF4-FFF2-40B4-BE49-F238E27FC236}">
+                <a16:creationId xmlns:a16="http://schemas.microsoft.com/office/drawing/2014/main" id="{955B0156-C896-C770-EC76-3AC30E4A66E3}"/>
+              </a:ext>
+            </a:extLst>
+          </p:cNvPr>
+          <p:cNvCxnSpPr>
+            <a:cxnSpLocks/>
+            <a:stCxn id="27" idx="4"/>
+            <a:endCxn id="3" idx="0"/>
+          </p:cNvCxnSpPr>
+          <p:nvPr/>
+        </p:nvCxnSpPr>
+        <p:spPr>
+          <a:xfrm flipH="1">
+            <a:off x="8532036" y="2801619"/>
+            <a:ext cx="124618" cy="395798"/>
+          </a:xfrm>
+          <a:prstGeom prst="line">
+            <a:avLst/>
+          </a:prstGeom>
+          <a:ln w="63500" cmpd="sng">
+            <a:prstDash val="solid"/>
+          </a:ln>
+        </p:spPr>
+        <p:style>
+          <a:lnRef idx="1">
+            <a:schemeClr val="accent1"/>
+          </a:lnRef>
+          <a:fillRef idx="0">
+            <a:schemeClr val="accent1"/>
+          </a:fillRef>
+          <a:effectRef idx="0">
+            <a:schemeClr val="accent1"/>
+          </a:effectRef>
+          <a:fontRef idx="minor">
+            <a:schemeClr val="tx1"/>
+          </a:fontRef>
+        </p:style>
+      </p:cxnSp>
+      <p:cxnSp>
+        <p:nvCxnSpPr>
+          <p:cNvPr id="31" name="직선 연결선 30">
+            <a:extLst>
+              <a:ext uri="{FF2B5EF4-FFF2-40B4-BE49-F238E27FC236}">
+                <a16:creationId xmlns:a16="http://schemas.microsoft.com/office/drawing/2014/main" id="{3E035555-767D-546E-E074-FA3A2FA9A243}"/>
+              </a:ext>
+            </a:extLst>
+          </p:cNvPr>
+          <p:cNvCxnSpPr>
+            <a:cxnSpLocks/>
+            <a:stCxn id="26" idx="3"/>
+            <a:endCxn id="3" idx="3"/>
+          </p:cNvCxnSpPr>
+          <p:nvPr/>
+        </p:nvCxnSpPr>
+        <p:spPr>
+          <a:xfrm flipH="1">
+            <a:off x="9454056" y="2853689"/>
+            <a:ext cx="729893" cy="643188"/>
+          </a:xfrm>
+          <a:prstGeom prst="line">
+            <a:avLst/>
+          </a:prstGeom>
+          <a:ln w="63500" cmpd="sng">
+            <a:prstDash val="solid"/>
+          </a:ln>
+        </p:spPr>
+        <p:style>
+          <a:lnRef idx="1">
+            <a:schemeClr val="accent1"/>
+          </a:lnRef>
+          <a:fillRef idx="0">
+            <a:schemeClr val="accent1"/>
+          </a:fillRef>
+          <a:effectRef idx="0">
+            <a:schemeClr val="accent1"/>
+          </a:effectRef>
+          <a:fontRef idx="minor">
+            <a:schemeClr val="tx1"/>
+          </a:fontRef>
+        </p:style>
+      </p:cxnSp>
+      <p:cxnSp>
+        <p:nvCxnSpPr>
+          <p:cNvPr id="32" name="직선 연결선 31">
+            <a:extLst>
+              <a:ext uri="{FF2B5EF4-FFF2-40B4-BE49-F238E27FC236}">
+                <a16:creationId xmlns:a16="http://schemas.microsoft.com/office/drawing/2014/main" id="{2BF456E8-DD78-C284-840D-0B544CAC9E01}"/>
+              </a:ext>
+            </a:extLst>
+          </p:cNvPr>
+          <p:cNvCxnSpPr>
+            <a:cxnSpLocks/>
+            <a:stCxn id="41" idx="1"/>
+            <a:endCxn id="3" idx="3"/>
+          </p:cNvCxnSpPr>
+          <p:nvPr/>
+        </p:nvCxnSpPr>
+        <p:spPr>
+          <a:xfrm flipH="1" flipV="1">
+            <a:off x="9454056" y="3496877"/>
+            <a:ext cx="328620" cy="527927"/>
+          </a:xfrm>
+          <a:prstGeom prst="line">
+            <a:avLst/>
+          </a:prstGeom>
+          <a:ln w="63500" cmpd="sng">
+            <a:prstDash val="solid"/>
+          </a:ln>
+        </p:spPr>
+        <p:style>
+          <a:lnRef idx="1">
+            <a:schemeClr val="accent1"/>
+          </a:lnRef>
+          <a:fillRef idx="0">
+            <a:schemeClr val="accent1"/>
+          </a:fillRef>
+          <a:effectRef idx="0">
+            <a:schemeClr val="accent1"/>
+          </a:effectRef>
+          <a:fontRef idx="minor">
+            <a:schemeClr val="tx1"/>
+          </a:fontRef>
+        </p:style>
+      </p:cxnSp>
+      <p:sp>
+        <p:nvSpPr>
+          <p:cNvPr id="39" name="TextBox 38">
+            <a:extLst>
+              <a:ext uri="{FF2B5EF4-FFF2-40B4-BE49-F238E27FC236}">
+                <a16:creationId xmlns:a16="http://schemas.microsoft.com/office/drawing/2014/main" id="{AD863DDE-F987-0943-EBFC-98C509004030}"/>
+              </a:ext>
+            </a:extLst>
+          </p:cNvPr>
+          <p:cNvSpPr txBox="1"/>
+          <p:nvPr/>
+        </p:nvSpPr>
+        <p:spPr>
+          <a:xfrm>
+            <a:off x="6928590" y="3578140"/>
+            <a:ext cx="713025" cy="369332"/>
+          </a:xfrm>
+          <a:prstGeom prst="rect">
+            <a:avLst/>
+          </a:prstGeom>
+          <a:noFill/>
+        </p:spPr>
+        <p:txBody>
+          <a:bodyPr wrap="square" rtlCol="0">
+            <a:spAutoFit/>
+          </a:bodyPr>
+          <a:lstStyle/>
+          <a:p>
+            <a:r>
+              <a:rPr lang="en-US" altLang="ko-KR" dirty="0"/>
+              <a:t>(0, 1)</a:t>
+            </a:r>
+            <a:endParaRPr lang="ko-KR" altLang="en-US" dirty="0"/>
+          </a:p>
+        </p:txBody>
+      </p:sp>
+      <p:sp>
+        <p:nvSpPr>
+          <p:cNvPr id="40" name="TextBox 39">
+            <a:extLst>
+              <a:ext uri="{FF2B5EF4-FFF2-40B4-BE49-F238E27FC236}">
+                <a16:creationId xmlns:a16="http://schemas.microsoft.com/office/drawing/2014/main" id="{22C4A8D6-F90E-D2E4-5D17-3F17E07E237A}"/>
+              </a:ext>
+            </a:extLst>
+          </p:cNvPr>
+          <p:cNvSpPr txBox="1"/>
+          <p:nvPr/>
+        </p:nvSpPr>
+        <p:spPr>
+          <a:xfrm>
+            <a:off x="4300227" y="3607671"/>
+            <a:ext cx="713025" cy="369332"/>
+          </a:xfrm>
+          <a:prstGeom prst="rect">
+            <a:avLst/>
+          </a:prstGeom>
+          <a:noFill/>
+        </p:spPr>
+        <p:txBody>
+          <a:bodyPr wrap="square" rtlCol="0">
+            <a:spAutoFit/>
+          </a:bodyPr>
+          <a:lstStyle/>
+          <a:p>
+            <a:r>
+              <a:rPr lang="en-US" altLang="ko-KR" dirty="0"/>
+              <a:t>(0, 1)</a:t>
+            </a:r>
+            <a:endParaRPr lang="ko-KR" altLang="en-US" dirty="0"/>
+          </a:p>
+        </p:txBody>
+      </p:sp>
+      <p:sp>
+        <p:nvSpPr>
+          <p:cNvPr id="41" name="타원 40">
+            <a:extLst>
+              <a:ext uri="{FF2B5EF4-FFF2-40B4-BE49-F238E27FC236}">
+                <a16:creationId xmlns:a16="http://schemas.microsoft.com/office/drawing/2014/main" id="{5471F42B-066B-FD1B-573A-1F306568A9EE}"/>
+              </a:ext>
+            </a:extLst>
+          </p:cNvPr>
+          <p:cNvSpPr/>
+          <p:nvPr/>
+        </p:nvSpPr>
+        <p:spPr>
+          <a:xfrm>
+            <a:off x="9454056" y="3927976"/>
+            <a:ext cx="2243958" cy="661184"/>
+          </a:xfrm>
+          <a:prstGeom prst="ellipse">
+            <a:avLst/>
+          </a:prstGeom>
+        </p:spPr>
+        <p:style>
+          <a:lnRef idx="2">
+            <a:schemeClr val="accent1">
+              <a:shade val="50000"/>
+            </a:schemeClr>
+          </a:lnRef>
+          <a:fillRef idx="1">
+            <a:schemeClr val="accent1"/>
+          </a:fillRef>
+          <a:effectRef idx="0">
+            <a:schemeClr val="accent1"/>
+          </a:effectRef>
+          <a:fontRef idx="minor">
+            <a:schemeClr val="lt1"/>
+          </a:fontRef>
+        </p:style>
+        <p:txBody>
+          <a:bodyPr rtlCol="0" anchor="ctr"/>
+          <a:lstStyle/>
+          <a:p>
+            <a:pPr algn="ctr"/>
+            <a:r>
+              <a:rPr lang="ko-KR" altLang="en-US"/>
+              <a:t>구내전화번호</a:t>
+            </a:r>
+            <a:endParaRPr lang="ko-KR" altLang="en-US" dirty="0"/>
+          </a:p>
+        </p:txBody>
+      </p:sp>
+      <p:cxnSp>
+        <p:nvCxnSpPr>
+          <p:cNvPr id="44" name="직선 연결선 43">
+            <a:extLst>
+              <a:ext uri="{FF2B5EF4-FFF2-40B4-BE49-F238E27FC236}">
+                <a16:creationId xmlns:a16="http://schemas.microsoft.com/office/drawing/2014/main" id="{AEDC739C-F43E-3273-82EE-F54AF46CB589}"/>
+              </a:ext>
+            </a:extLst>
+          </p:cNvPr>
+          <p:cNvCxnSpPr>
+            <a:cxnSpLocks/>
+            <a:stCxn id="25" idx="0"/>
+            <a:endCxn id="3" idx="2"/>
+          </p:cNvCxnSpPr>
+          <p:nvPr/>
+        </p:nvCxnSpPr>
+        <p:spPr>
+          <a:xfrm flipH="1" flipV="1">
+            <a:off x="8532036" y="3796336"/>
+            <a:ext cx="896386" cy="1130123"/>
+          </a:xfrm>
+          <a:prstGeom prst="line">
+            <a:avLst/>
+          </a:prstGeom>
+          <a:ln w="63500" cmpd="sng">
+            <a:prstDash val="solid"/>
+          </a:ln>
+        </p:spPr>
+        <p:style>
+          <a:lnRef idx="1">
+            <a:schemeClr val="accent1"/>
+          </a:lnRef>
+          <a:fillRef idx="0">
+            <a:schemeClr val="accent1"/>
+          </a:fillRef>
+          <a:effectRef idx="0">
+            <a:schemeClr val="accent1"/>
+          </a:effectRef>
+          <a:fontRef idx="minor">
+            <a:schemeClr val="tx1"/>
+          </a:fontRef>
+        </p:style>
+      </p:cxnSp>
+      <p:sp>
+        <p:nvSpPr>
+          <p:cNvPr id="54" name="타원 53">
+            <a:extLst>
+              <a:ext uri="{FF2B5EF4-FFF2-40B4-BE49-F238E27FC236}">
+                <a16:creationId xmlns:a16="http://schemas.microsoft.com/office/drawing/2014/main" id="{DD25E09D-2272-3B6A-5539-13532D7EC93A}"/>
+              </a:ext>
+            </a:extLst>
+          </p:cNvPr>
+          <p:cNvSpPr/>
+          <p:nvPr/>
+        </p:nvSpPr>
+        <p:spPr>
+          <a:xfrm>
+            <a:off x="2630706" y="1631231"/>
+            <a:ext cx="1103784" cy="661184"/>
+          </a:xfrm>
+          <a:prstGeom prst="ellipse">
+            <a:avLst/>
+          </a:prstGeom>
+        </p:spPr>
+        <p:style>
+          <a:lnRef idx="2">
+            <a:schemeClr val="accent1">
+              <a:shade val="50000"/>
+            </a:schemeClr>
+          </a:lnRef>
+          <a:fillRef idx="1">
+            <a:schemeClr val="accent1"/>
+          </a:fillRef>
+          <a:effectRef idx="0">
+            <a:schemeClr val="accent1"/>
+          </a:effectRef>
+          <a:fontRef idx="minor">
+            <a:schemeClr val="lt1"/>
+          </a:fontRef>
+        </p:style>
+        <p:txBody>
+          <a:bodyPr rtlCol="0" anchor="ctr"/>
+          <a:lstStyle/>
+          <a:p>
+            <a:pPr algn="ctr"/>
+            <a:r>
+              <a:rPr lang="ko-KR" altLang="en-US" dirty="0"/>
+              <a:t>일련번호</a:t>
+            </a:r>
+          </a:p>
+        </p:txBody>
+      </p:sp>
+      <p:sp>
+        <p:nvSpPr>
+          <p:cNvPr id="55" name="타원 54">
+            <a:extLst>
+              <a:ext uri="{FF2B5EF4-FFF2-40B4-BE49-F238E27FC236}">
+                <a16:creationId xmlns:a16="http://schemas.microsoft.com/office/drawing/2014/main" id="{3704B659-038C-AC4C-B425-D4D39C94CE44}"/>
+              </a:ext>
+            </a:extLst>
+          </p:cNvPr>
+          <p:cNvSpPr/>
+          <p:nvPr/>
+        </p:nvSpPr>
+        <p:spPr>
+          <a:xfrm>
+            <a:off x="103376" y="3652762"/>
+            <a:ext cx="1103784" cy="661184"/>
+          </a:xfrm>
+          <a:prstGeom prst="ellipse">
+            <a:avLst/>
+          </a:prstGeom>
+        </p:spPr>
+        <p:style>
+          <a:lnRef idx="2">
+            <a:schemeClr val="accent1">
+              <a:shade val="50000"/>
+            </a:schemeClr>
+          </a:lnRef>
+          <a:fillRef idx="1">
+            <a:schemeClr val="accent1"/>
+          </a:fillRef>
+          <a:effectRef idx="0">
+            <a:schemeClr val="accent1"/>
+          </a:effectRef>
+          <a:fontRef idx="minor">
+            <a:schemeClr val="lt1"/>
+          </a:fontRef>
+        </p:style>
+        <p:txBody>
+          <a:bodyPr rtlCol="0" anchor="ctr"/>
+          <a:lstStyle/>
+          <a:p>
+            <a:pPr algn="ctr"/>
+            <a:r>
+              <a:rPr lang="ko-KR" altLang="en-US" dirty="0"/>
+              <a:t>층수</a:t>
+            </a:r>
+          </a:p>
+        </p:txBody>
+      </p:sp>
+      <p:sp>
+        <p:nvSpPr>
+          <p:cNvPr id="56" name="타원 55">
+            <a:extLst>
+              <a:ext uri="{FF2B5EF4-FFF2-40B4-BE49-F238E27FC236}">
+                <a16:creationId xmlns:a16="http://schemas.microsoft.com/office/drawing/2014/main" id="{5198DD00-F08A-D8BE-B205-F4927CE7895E}"/>
+              </a:ext>
+            </a:extLst>
+          </p:cNvPr>
+          <p:cNvSpPr/>
+          <p:nvPr/>
+        </p:nvSpPr>
+        <p:spPr>
+          <a:xfrm>
+            <a:off x="103376" y="2767816"/>
+            <a:ext cx="1356360" cy="661184"/>
+          </a:xfrm>
+          <a:prstGeom prst="ellipse">
+            <a:avLst/>
+          </a:prstGeom>
+        </p:spPr>
+        <p:style>
+          <a:lnRef idx="2">
+            <a:schemeClr val="accent1">
+              <a:shade val="50000"/>
+            </a:schemeClr>
+          </a:lnRef>
+          <a:fillRef idx="1">
+            <a:schemeClr val="accent1"/>
+          </a:fillRef>
+          <a:effectRef idx="0">
+            <a:schemeClr val="accent1"/>
+          </a:effectRef>
+          <a:fontRef idx="minor">
+            <a:schemeClr val="lt1"/>
+          </a:fontRef>
+        </p:style>
+        <p:txBody>
+          <a:bodyPr rtlCol="0" anchor="ctr"/>
+          <a:lstStyle/>
+          <a:p>
+            <a:pPr algn="ctr"/>
+            <a:r>
+              <a:rPr lang="ko-KR" altLang="en-US"/>
+              <a:t>주차장이름</a:t>
+            </a:r>
+            <a:endParaRPr lang="ko-KR" altLang="en-US" dirty="0"/>
+          </a:p>
+        </p:txBody>
+      </p:sp>
+      <p:cxnSp>
+        <p:nvCxnSpPr>
+          <p:cNvPr id="70" name="직선 연결선 69">
+            <a:extLst>
+              <a:ext uri="{FF2B5EF4-FFF2-40B4-BE49-F238E27FC236}">
+                <a16:creationId xmlns:a16="http://schemas.microsoft.com/office/drawing/2014/main" id="{774A75EA-B082-B5CA-8A64-EDED4A4B4A0C}"/>
+              </a:ext>
+            </a:extLst>
+          </p:cNvPr>
+          <p:cNvCxnSpPr>
+            <a:cxnSpLocks/>
+            <a:stCxn id="2" idx="0"/>
+            <a:endCxn id="54" idx="4"/>
+          </p:cNvCxnSpPr>
+          <p:nvPr/>
+        </p:nvCxnSpPr>
+        <p:spPr>
+          <a:xfrm flipH="1" flipV="1">
+            <a:off x="3182598" y="2292415"/>
+            <a:ext cx="121178" cy="543801"/>
+          </a:xfrm>
+          <a:prstGeom prst="line">
+            <a:avLst/>
+          </a:prstGeom>
+          <a:ln w="63500" cmpd="sng">
+            <a:prstDash val="solid"/>
+          </a:ln>
+        </p:spPr>
+        <p:style>
+          <a:lnRef idx="1">
+            <a:schemeClr val="accent1"/>
+          </a:lnRef>
+          <a:fillRef idx="0">
+            <a:schemeClr val="accent1"/>
+          </a:fillRef>
+          <a:effectRef idx="0">
+            <a:schemeClr val="accent1"/>
+          </a:effectRef>
+          <a:fontRef idx="minor">
+            <a:schemeClr val="tx1"/>
+          </a:fontRef>
+        </p:style>
+      </p:cxnSp>
+      <p:cxnSp>
+        <p:nvCxnSpPr>
+          <p:cNvPr id="76" name="직선 연결선 75">
+            <a:extLst>
+              <a:ext uri="{FF2B5EF4-FFF2-40B4-BE49-F238E27FC236}">
+                <a16:creationId xmlns:a16="http://schemas.microsoft.com/office/drawing/2014/main" id="{A78E244E-C915-030C-274B-4713A6E4DFDD}"/>
+              </a:ext>
+            </a:extLst>
+          </p:cNvPr>
+          <p:cNvCxnSpPr>
+            <a:cxnSpLocks/>
+            <a:stCxn id="2" idx="1"/>
+            <a:endCxn id="56" idx="6"/>
+          </p:cNvCxnSpPr>
+          <p:nvPr/>
+        </p:nvCxnSpPr>
+        <p:spPr>
+          <a:xfrm flipH="1" flipV="1">
+            <a:off x="1459736" y="3098408"/>
+            <a:ext cx="922020" cy="217868"/>
+          </a:xfrm>
+          <a:prstGeom prst="line">
+            <a:avLst/>
+          </a:prstGeom>
+          <a:ln w="63500" cmpd="sng">
+            <a:prstDash val="solid"/>
+          </a:ln>
+        </p:spPr>
+        <p:style>
+          <a:lnRef idx="1">
+            <a:schemeClr val="accent1"/>
+          </a:lnRef>
+          <a:fillRef idx="0">
+            <a:schemeClr val="accent1"/>
+          </a:fillRef>
+          <a:effectRef idx="0">
+            <a:schemeClr val="accent1"/>
+          </a:effectRef>
+          <a:fontRef idx="minor">
+            <a:schemeClr val="tx1"/>
+          </a:fontRef>
+        </p:style>
+      </p:cxnSp>
+      <p:cxnSp>
+        <p:nvCxnSpPr>
+          <p:cNvPr id="79" name="직선 연결선 78">
+            <a:extLst>
+              <a:ext uri="{FF2B5EF4-FFF2-40B4-BE49-F238E27FC236}">
+                <a16:creationId xmlns:a16="http://schemas.microsoft.com/office/drawing/2014/main" id="{01352DAE-A582-CC64-734F-30F725825665}"/>
+              </a:ext>
+            </a:extLst>
+          </p:cNvPr>
+          <p:cNvCxnSpPr>
+            <a:cxnSpLocks/>
+            <a:stCxn id="2" idx="1"/>
+            <a:endCxn id="55" idx="6"/>
+          </p:cNvCxnSpPr>
+          <p:nvPr/>
+        </p:nvCxnSpPr>
+        <p:spPr>
+          <a:xfrm flipH="1">
+            <a:off x="1207160" y="3316276"/>
+            <a:ext cx="1174596" cy="667078"/>
+          </a:xfrm>
+          <a:prstGeom prst="line">
+            <a:avLst/>
+          </a:prstGeom>
+          <a:ln w="63500" cmpd="sng">
+            <a:prstDash val="solid"/>
+          </a:ln>
+        </p:spPr>
+        <p:style>
+          <a:lnRef idx="1">
+            <a:schemeClr val="accent1"/>
+          </a:lnRef>
+          <a:fillRef idx="0">
+            <a:schemeClr val="accent1"/>
+          </a:fillRef>
+          <a:effectRef idx="0">
+            <a:schemeClr val="accent1"/>
+          </a:effectRef>
+          <a:fontRef idx="minor">
+            <a:schemeClr val="tx1"/>
+          </a:fontRef>
+        </p:style>
+      </p:cxnSp>
+      <p:sp>
+        <p:nvSpPr>
+          <p:cNvPr id="85" name="타원 84">
+            <a:extLst>
+              <a:ext uri="{FF2B5EF4-FFF2-40B4-BE49-F238E27FC236}">
+                <a16:creationId xmlns:a16="http://schemas.microsoft.com/office/drawing/2014/main" id="{C741B907-49D3-68A6-F204-3043C88B5C21}"/>
+              </a:ext>
+            </a:extLst>
+          </p:cNvPr>
+          <p:cNvSpPr/>
+          <p:nvPr/>
+        </p:nvSpPr>
+        <p:spPr>
+          <a:xfrm>
+            <a:off x="3860229" y="1631231"/>
+            <a:ext cx="1844040" cy="661184"/>
+          </a:xfrm>
+          <a:prstGeom prst="ellipse">
+            <a:avLst/>
+          </a:prstGeom>
+          <a:ln w="63500">
+            <a:solidFill>
+              <a:schemeClr val="tx1"/>
+            </a:solidFill>
+            <a:prstDash val="dash"/>
+          </a:ln>
+        </p:spPr>
+        <p:style>
+          <a:lnRef idx="2">
+            <a:schemeClr val="accent1">
+              <a:shade val="50000"/>
+            </a:schemeClr>
+          </a:lnRef>
+          <a:fillRef idx="1">
+            <a:schemeClr val="accent1"/>
+          </a:fillRef>
+          <a:effectRef idx="0">
+            <a:schemeClr val="accent1"/>
+          </a:effectRef>
+          <a:fontRef idx="minor">
+            <a:schemeClr val="lt1"/>
+          </a:fontRef>
+        </p:style>
+        <p:txBody>
+          <a:bodyPr rtlCol="0" anchor="ctr"/>
+          <a:lstStyle/>
+          <a:p>
+            <a:pPr algn="ctr"/>
+            <a:r>
+              <a:rPr lang="ko-KR" altLang="en-US" dirty="0"/>
+              <a:t>주차대수</a:t>
+            </a:r>
+          </a:p>
+        </p:txBody>
+      </p:sp>
+      <p:cxnSp>
+        <p:nvCxnSpPr>
+          <p:cNvPr id="86" name="직선 연결선 85">
+            <a:extLst>
+              <a:ext uri="{FF2B5EF4-FFF2-40B4-BE49-F238E27FC236}">
+                <a16:creationId xmlns:a16="http://schemas.microsoft.com/office/drawing/2014/main" id="{EFB4D4E1-8CBB-3097-9A32-F9E904033F28}"/>
+              </a:ext>
+            </a:extLst>
+          </p:cNvPr>
+          <p:cNvCxnSpPr>
+            <a:cxnSpLocks/>
+            <a:stCxn id="2" idx="0"/>
+            <a:endCxn id="85" idx="3"/>
+          </p:cNvCxnSpPr>
+          <p:nvPr/>
+        </p:nvCxnSpPr>
+        <p:spPr>
+          <a:xfrm flipV="1">
+            <a:off x="3303776" y="2195587"/>
+            <a:ext cx="826506" cy="640629"/>
+          </a:xfrm>
+          <a:prstGeom prst="line">
+            <a:avLst/>
+          </a:prstGeom>
+          <a:ln w="63500" cmpd="sng">
+            <a:prstDash val="solid"/>
+          </a:ln>
+        </p:spPr>
+        <p:style>
+          <a:lnRef idx="1">
+            <a:schemeClr val="accent1"/>
+          </a:lnRef>
+          <a:fillRef idx="0">
+            <a:schemeClr val="accent1"/>
+          </a:fillRef>
+          <a:effectRef idx="0">
+            <a:schemeClr val="accent1"/>
+          </a:effectRef>
+          <a:fontRef idx="minor">
+            <a:schemeClr val="tx1"/>
+          </a:fontRef>
+        </p:style>
+      </p:cxnSp>
     </p:spTree>
     <p:extLst>
       <p:ext uri="{BB962C8B-B14F-4D97-AF65-F5344CB8AC3E}">

--- a/rdb/notes/개인공부/mysql/06_wrks/06_exec.pptx
+++ b/rdb/notes/개인공부/mysql/06_wrks/06_exec.pptx
@@ -7,6 +7,7 @@
   <p:sldIdLst>
     <p:sldId id="256" r:id="rId2"/>
     <p:sldId id="257" r:id="rId3"/>
+    <p:sldId id="258" r:id="rId4"/>
   </p:sldIdLst>
   <p:sldSz cx="12192000" cy="6858000"/>
   <p:notesSz cx="6858000" cy="9144000"/>
@@ -260,7 +261,7 @@
           <a:p>
             <a:fld id="{0CD80827-633D-490B-AE56-C2EFEA58FCDE}" type="datetimeFigureOut">
               <a:rPr lang="ko-KR" altLang="en-US" smtClean="0"/>
-              <a:t>2023-06-09</a:t>
+              <a:t>2023-06-10</a:t>
             </a:fld>
             <a:endParaRPr lang="ko-KR" altLang="en-US"/>
           </a:p>
@@ -458,7 +459,7 @@
           <a:p>
             <a:fld id="{0CD80827-633D-490B-AE56-C2EFEA58FCDE}" type="datetimeFigureOut">
               <a:rPr lang="ko-KR" altLang="en-US" smtClean="0"/>
-              <a:t>2023-06-09</a:t>
+              <a:t>2023-06-10</a:t>
             </a:fld>
             <a:endParaRPr lang="ko-KR" altLang="en-US"/>
           </a:p>
@@ -666,7 +667,7 @@
           <a:p>
             <a:fld id="{0CD80827-633D-490B-AE56-C2EFEA58FCDE}" type="datetimeFigureOut">
               <a:rPr lang="ko-KR" altLang="en-US" smtClean="0"/>
-              <a:t>2023-06-09</a:t>
+              <a:t>2023-06-10</a:t>
             </a:fld>
             <a:endParaRPr lang="ko-KR" altLang="en-US"/>
           </a:p>
@@ -864,7 +865,7 @@
           <a:p>
             <a:fld id="{0CD80827-633D-490B-AE56-C2EFEA58FCDE}" type="datetimeFigureOut">
               <a:rPr lang="ko-KR" altLang="en-US" smtClean="0"/>
-              <a:t>2023-06-09</a:t>
+              <a:t>2023-06-10</a:t>
             </a:fld>
             <a:endParaRPr lang="ko-KR" altLang="en-US"/>
           </a:p>
@@ -1139,7 +1140,7 @@
           <a:p>
             <a:fld id="{0CD80827-633D-490B-AE56-C2EFEA58FCDE}" type="datetimeFigureOut">
               <a:rPr lang="ko-KR" altLang="en-US" smtClean="0"/>
-              <a:t>2023-06-09</a:t>
+              <a:t>2023-06-10</a:t>
             </a:fld>
             <a:endParaRPr lang="ko-KR" altLang="en-US"/>
           </a:p>
@@ -1404,7 +1405,7 @@
           <a:p>
             <a:fld id="{0CD80827-633D-490B-AE56-C2EFEA58FCDE}" type="datetimeFigureOut">
               <a:rPr lang="ko-KR" altLang="en-US" smtClean="0"/>
-              <a:t>2023-06-09</a:t>
+              <a:t>2023-06-10</a:t>
             </a:fld>
             <a:endParaRPr lang="ko-KR" altLang="en-US"/>
           </a:p>
@@ -1816,7 +1817,7 @@
           <a:p>
             <a:fld id="{0CD80827-633D-490B-AE56-C2EFEA58FCDE}" type="datetimeFigureOut">
               <a:rPr lang="ko-KR" altLang="en-US" smtClean="0"/>
-              <a:t>2023-06-09</a:t>
+              <a:t>2023-06-10</a:t>
             </a:fld>
             <a:endParaRPr lang="ko-KR" altLang="en-US"/>
           </a:p>
@@ -1957,7 +1958,7 @@
           <a:p>
             <a:fld id="{0CD80827-633D-490B-AE56-C2EFEA58FCDE}" type="datetimeFigureOut">
               <a:rPr lang="ko-KR" altLang="en-US" smtClean="0"/>
-              <a:t>2023-06-09</a:t>
+              <a:t>2023-06-10</a:t>
             </a:fld>
             <a:endParaRPr lang="ko-KR" altLang="en-US"/>
           </a:p>
@@ -2070,7 +2071,7 @@
           <a:p>
             <a:fld id="{0CD80827-633D-490B-AE56-C2EFEA58FCDE}" type="datetimeFigureOut">
               <a:rPr lang="ko-KR" altLang="en-US" smtClean="0"/>
-              <a:t>2023-06-09</a:t>
+              <a:t>2023-06-10</a:t>
             </a:fld>
             <a:endParaRPr lang="ko-KR" altLang="en-US"/>
           </a:p>
@@ -2381,7 +2382,7 @@
           <a:p>
             <a:fld id="{0CD80827-633D-490B-AE56-C2EFEA58FCDE}" type="datetimeFigureOut">
               <a:rPr lang="ko-KR" altLang="en-US" smtClean="0"/>
-              <a:t>2023-06-09</a:t>
+              <a:t>2023-06-10</a:t>
             </a:fld>
             <a:endParaRPr lang="ko-KR" altLang="en-US"/>
           </a:p>
@@ -2669,7 +2670,7 @@
           <a:p>
             <a:fld id="{0CD80827-633D-490B-AE56-C2EFEA58FCDE}" type="datetimeFigureOut">
               <a:rPr lang="ko-KR" altLang="en-US" smtClean="0"/>
-              <a:t>2023-06-09</a:t>
+              <a:t>2023-06-10</a:t>
             </a:fld>
             <a:endParaRPr lang="ko-KR" altLang="en-US"/>
           </a:p>
@@ -2910,7 +2911,7 @@
           <a:p>
             <a:fld id="{0CD80827-633D-490B-AE56-C2EFEA58FCDE}" type="datetimeFigureOut">
               <a:rPr lang="ko-KR" altLang="en-US" smtClean="0"/>
-              <a:t>2023-06-09</a:t>
+              <a:t>2023-06-10</a:t>
             </a:fld>
             <a:endParaRPr lang="ko-KR" altLang="en-US"/>
           </a:p>
@@ -6439,6 +6440,1370 @@
 </p:sld>
 </file>
 
+<file path=ppt/slides/slide3.xml><?xml version="1.0" encoding="utf-8"?>
+<p:sld xmlns:a="http://schemas.openxmlformats.org/drawingml/2006/main" xmlns:r="http://schemas.openxmlformats.org/officeDocument/2006/relationships" xmlns:p="http://schemas.openxmlformats.org/presentationml/2006/main">
+  <p:cSld>
+    <p:spTree>
+      <p:nvGrpSpPr>
+        <p:cNvPr id="1" name=""/>
+        <p:cNvGrpSpPr/>
+        <p:nvPr/>
+      </p:nvGrpSpPr>
+      <p:grpSpPr>
+        <a:xfrm>
+          <a:off x="0" y="0"/>
+          <a:ext cx="0" cy="0"/>
+          <a:chOff x="0" y="0"/>
+          <a:chExt cx="0" cy="0"/>
+        </a:xfrm>
+      </p:grpSpPr>
+      <p:sp>
+        <p:nvSpPr>
+          <p:cNvPr id="2" name="직사각형 1">
+            <a:extLst>
+              <a:ext uri="{FF2B5EF4-FFF2-40B4-BE49-F238E27FC236}">
+                <a16:creationId xmlns:a16="http://schemas.microsoft.com/office/drawing/2014/main" id="{949C4EAC-72D6-BF57-8E67-AD818B130E04}"/>
+              </a:ext>
+            </a:extLst>
+          </p:cNvPr>
+          <p:cNvSpPr/>
+          <p:nvPr/>
+        </p:nvSpPr>
+        <p:spPr>
+          <a:xfrm>
+            <a:off x="9630104" y="1119351"/>
+            <a:ext cx="914400" cy="914400"/>
+          </a:xfrm>
+          <a:prstGeom prst="rect">
+            <a:avLst/>
+          </a:prstGeom>
+        </p:spPr>
+        <p:style>
+          <a:lnRef idx="2">
+            <a:schemeClr val="accent1">
+              <a:shade val="50000"/>
+            </a:schemeClr>
+          </a:lnRef>
+          <a:fillRef idx="1">
+            <a:schemeClr val="accent1"/>
+          </a:fillRef>
+          <a:effectRef idx="0">
+            <a:schemeClr val="accent1"/>
+          </a:effectRef>
+          <a:fontRef idx="minor">
+            <a:schemeClr val="lt1"/>
+          </a:fontRef>
+        </p:style>
+        <p:txBody>
+          <a:bodyPr rtlCol="0" anchor="ctr"/>
+          <a:lstStyle/>
+          <a:p>
+            <a:pPr algn="ctr"/>
+            <a:r>
+              <a:rPr lang="ko-KR" altLang="en-US" dirty="0"/>
+              <a:t>부품</a:t>
+            </a:r>
+          </a:p>
+        </p:txBody>
+      </p:sp>
+      <p:sp>
+        <p:nvSpPr>
+          <p:cNvPr id="3" name="직사각형 2">
+            <a:extLst>
+              <a:ext uri="{FF2B5EF4-FFF2-40B4-BE49-F238E27FC236}">
+                <a16:creationId xmlns:a16="http://schemas.microsoft.com/office/drawing/2014/main" id="{7DE8E6D4-5EBC-0689-A894-9DA894A95F8F}"/>
+              </a:ext>
+            </a:extLst>
+          </p:cNvPr>
+          <p:cNvSpPr/>
+          <p:nvPr/>
+        </p:nvSpPr>
+        <p:spPr>
+          <a:xfrm>
+            <a:off x="1647496" y="1119351"/>
+            <a:ext cx="914400" cy="914400"/>
+          </a:xfrm>
+          <a:prstGeom prst="rect">
+            <a:avLst/>
+          </a:prstGeom>
+        </p:spPr>
+        <p:style>
+          <a:lnRef idx="2">
+            <a:schemeClr val="accent1">
+              <a:shade val="50000"/>
+            </a:schemeClr>
+          </a:lnRef>
+          <a:fillRef idx="1">
+            <a:schemeClr val="accent1"/>
+          </a:fillRef>
+          <a:effectRef idx="0">
+            <a:schemeClr val="accent1"/>
+          </a:effectRef>
+          <a:fontRef idx="minor">
+            <a:schemeClr val="lt1"/>
+          </a:fontRef>
+        </p:style>
+        <p:txBody>
+          <a:bodyPr rtlCol="0" anchor="ctr"/>
+          <a:lstStyle/>
+          <a:p>
+            <a:pPr algn="ctr"/>
+            <a:r>
+              <a:rPr lang="ko-KR" altLang="en-US" dirty="0"/>
+              <a:t>업체</a:t>
+            </a:r>
+          </a:p>
+        </p:txBody>
+      </p:sp>
+      <p:sp>
+        <p:nvSpPr>
+          <p:cNvPr id="4" name="직사각형 3">
+            <a:extLst>
+              <a:ext uri="{FF2B5EF4-FFF2-40B4-BE49-F238E27FC236}">
+                <a16:creationId xmlns:a16="http://schemas.microsoft.com/office/drawing/2014/main" id="{DC9859F0-5ED7-117C-0EBC-5C7A4D8297D3}"/>
+              </a:ext>
+            </a:extLst>
+          </p:cNvPr>
+          <p:cNvSpPr/>
+          <p:nvPr/>
+        </p:nvSpPr>
+        <p:spPr>
+          <a:xfrm>
+            <a:off x="1647496" y="4824250"/>
+            <a:ext cx="914400" cy="914400"/>
+          </a:xfrm>
+          <a:prstGeom prst="rect">
+            <a:avLst/>
+          </a:prstGeom>
+          <a:ln w="63500" cmpd="dbl"/>
+        </p:spPr>
+        <p:style>
+          <a:lnRef idx="2">
+            <a:schemeClr val="accent1">
+              <a:shade val="50000"/>
+            </a:schemeClr>
+          </a:lnRef>
+          <a:fillRef idx="1">
+            <a:schemeClr val="accent1"/>
+          </a:fillRef>
+          <a:effectRef idx="0">
+            <a:schemeClr val="accent1"/>
+          </a:effectRef>
+          <a:fontRef idx="minor">
+            <a:schemeClr val="lt1"/>
+          </a:fontRef>
+        </p:style>
+        <p:txBody>
+          <a:bodyPr rtlCol="0" anchor="ctr"/>
+          <a:lstStyle/>
+          <a:p>
+            <a:pPr algn="ctr"/>
+            <a:r>
+              <a:rPr lang="ko-KR" altLang="en-US" dirty="0"/>
+              <a:t>자동차</a:t>
+            </a:r>
+          </a:p>
+        </p:txBody>
+      </p:sp>
+      <p:sp>
+        <p:nvSpPr>
+          <p:cNvPr id="6" name="다이아몬드 5">
+            <a:extLst>
+              <a:ext uri="{FF2B5EF4-FFF2-40B4-BE49-F238E27FC236}">
+                <a16:creationId xmlns:a16="http://schemas.microsoft.com/office/drawing/2014/main" id="{806A5784-CBCD-7E0D-EA01-A92423F00343}"/>
+              </a:ext>
+            </a:extLst>
+          </p:cNvPr>
+          <p:cNvSpPr/>
+          <p:nvPr/>
+        </p:nvSpPr>
+        <p:spPr>
+          <a:xfrm>
+            <a:off x="5638800" y="2514600"/>
+            <a:ext cx="914400" cy="914400"/>
+          </a:xfrm>
+          <a:prstGeom prst="diamond">
+            <a:avLst/>
+          </a:prstGeom>
+        </p:spPr>
+        <p:style>
+          <a:lnRef idx="2">
+            <a:schemeClr val="accent1">
+              <a:shade val="50000"/>
+            </a:schemeClr>
+          </a:lnRef>
+          <a:fillRef idx="1">
+            <a:schemeClr val="accent1"/>
+          </a:fillRef>
+          <a:effectRef idx="0">
+            <a:schemeClr val="accent1"/>
+          </a:effectRef>
+          <a:fontRef idx="minor">
+            <a:schemeClr val="lt1"/>
+          </a:fontRef>
+        </p:style>
+        <p:txBody>
+          <a:bodyPr rtlCol="0" anchor="ctr"/>
+          <a:lstStyle/>
+          <a:p>
+            <a:pPr algn="ctr"/>
+            <a:r>
+              <a:rPr lang="ko-KR" altLang="en-US" dirty="0"/>
+              <a:t>조립</a:t>
+            </a:r>
+          </a:p>
+        </p:txBody>
+      </p:sp>
+      <p:cxnSp>
+        <p:nvCxnSpPr>
+          <p:cNvPr id="7" name="직선 화살표 연결선 6">
+            <a:extLst>
+              <a:ext uri="{FF2B5EF4-FFF2-40B4-BE49-F238E27FC236}">
+                <a16:creationId xmlns:a16="http://schemas.microsoft.com/office/drawing/2014/main" id="{816F2717-EE2A-3BCF-03C7-DD938D2352FF}"/>
+              </a:ext>
+            </a:extLst>
+          </p:cNvPr>
+          <p:cNvCxnSpPr>
+            <a:cxnSpLocks/>
+            <a:stCxn id="3" idx="3"/>
+            <a:endCxn id="6" idx="1"/>
+          </p:cNvCxnSpPr>
+          <p:nvPr/>
+        </p:nvCxnSpPr>
+        <p:spPr>
+          <a:xfrm>
+            <a:off x="2561896" y="1576551"/>
+            <a:ext cx="3076904" cy="1395249"/>
+          </a:xfrm>
+          <a:prstGeom prst="straightConnector1">
+            <a:avLst/>
+          </a:prstGeom>
+        </p:spPr>
+        <p:style>
+          <a:lnRef idx="1">
+            <a:schemeClr val="accent1"/>
+          </a:lnRef>
+          <a:fillRef idx="0">
+            <a:schemeClr val="accent1"/>
+          </a:fillRef>
+          <a:effectRef idx="0">
+            <a:schemeClr val="accent1"/>
+          </a:effectRef>
+          <a:fontRef idx="minor">
+            <a:schemeClr val="tx1"/>
+          </a:fontRef>
+        </p:style>
+      </p:cxnSp>
+      <p:cxnSp>
+        <p:nvCxnSpPr>
+          <p:cNvPr id="10" name="직선 화살표 연결선 9">
+            <a:extLst>
+              <a:ext uri="{FF2B5EF4-FFF2-40B4-BE49-F238E27FC236}">
+                <a16:creationId xmlns:a16="http://schemas.microsoft.com/office/drawing/2014/main" id="{0146C911-2B46-9C7A-2AD0-2236966696E0}"/>
+              </a:ext>
+            </a:extLst>
+          </p:cNvPr>
+          <p:cNvCxnSpPr>
+            <a:cxnSpLocks/>
+            <a:stCxn id="2" idx="1"/>
+            <a:endCxn id="6" idx="3"/>
+          </p:cNvCxnSpPr>
+          <p:nvPr/>
+        </p:nvCxnSpPr>
+        <p:spPr>
+          <a:xfrm flipH="1">
+            <a:off x="6553200" y="1576551"/>
+            <a:ext cx="3076904" cy="1395249"/>
+          </a:xfrm>
+          <a:prstGeom prst="straightConnector1">
+            <a:avLst/>
+          </a:prstGeom>
+        </p:spPr>
+        <p:style>
+          <a:lnRef idx="1">
+            <a:schemeClr val="accent1"/>
+          </a:lnRef>
+          <a:fillRef idx="0">
+            <a:schemeClr val="accent1"/>
+          </a:fillRef>
+          <a:effectRef idx="0">
+            <a:schemeClr val="accent1"/>
+          </a:effectRef>
+          <a:fontRef idx="minor">
+            <a:schemeClr val="tx1"/>
+          </a:fontRef>
+        </p:style>
+      </p:cxnSp>
+      <p:cxnSp>
+        <p:nvCxnSpPr>
+          <p:cNvPr id="30" name="직선 화살표 연결선 29">
+            <a:extLst>
+              <a:ext uri="{FF2B5EF4-FFF2-40B4-BE49-F238E27FC236}">
+                <a16:creationId xmlns:a16="http://schemas.microsoft.com/office/drawing/2014/main" id="{11EDBD91-2B9A-6BD7-5705-ADFC1E79319B}"/>
+              </a:ext>
+            </a:extLst>
+          </p:cNvPr>
+          <p:cNvCxnSpPr>
+            <a:cxnSpLocks/>
+            <a:stCxn id="4" idx="3"/>
+            <a:endCxn id="6" idx="1"/>
+          </p:cNvCxnSpPr>
+          <p:nvPr/>
+        </p:nvCxnSpPr>
+        <p:spPr>
+          <a:xfrm flipV="1">
+            <a:off x="2561896" y="2971800"/>
+            <a:ext cx="3076904" cy="2309650"/>
+          </a:xfrm>
+          <a:prstGeom prst="straightConnector1">
+            <a:avLst/>
+          </a:prstGeom>
+          <a:ln w="63500" cmpd="sng"/>
+        </p:spPr>
+        <p:style>
+          <a:lnRef idx="1">
+            <a:schemeClr val="accent1"/>
+          </a:lnRef>
+          <a:fillRef idx="0">
+            <a:schemeClr val="accent1"/>
+          </a:fillRef>
+          <a:effectRef idx="0">
+            <a:schemeClr val="accent1"/>
+          </a:effectRef>
+          <a:fontRef idx="minor">
+            <a:schemeClr val="tx1"/>
+          </a:fontRef>
+        </p:style>
+      </p:cxnSp>
+      <p:sp>
+        <p:nvSpPr>
+          <p:cNvPr id="35" name="다이아몬드 34">
+            <a:extLst>
+              <a:ext uri="{FF2B5EF4-FFF2-40B4-BE49-F238E27FC236}">
+                <a16:creationId xmlns:a16="http://schemas.microsoft.com/office/drawing/2014/main" id="{1BC906C9-ABD9-827A-37B3-B9586B92183A}"/>
+              </a:ext>
+            </a:extLst>
+          </p:cNvPr>
+          <p:cNvSpPr/>
+          <p:nvPr/>
+        </p:nvSpPr>
+        <p:spPr>
+          <a:xfrm>
+            <a:off x="1789386" y="2755025"/>
+            <a:ext cx="914400" cy="914400"/>
+          </a:xfrm>
+          <a:prstGeom prst="diamond">
+            <a:avLst/>
+          </a:prstGeom>
+          <a:ln w="63500" cmpd="dbl"/>
+        </p:spPr>
+        <p:style>
+          <a:lnRef idx="2">
+            <a:schemeClr val="accent1">
+              <a:shade val="50000"/>
+            </a:schemeClr>
+          </a:lnRef>
+          <a:fillRef idx="1">
+            <a:schemeClr val="accent1"/>
+          </a:fillRef>
+          <a:effectRef idx="0">
+            <a:schemeClr val="accent1"/>
+          </a:effectRef>
+          <a:fontRef idx="minor">
+            <a:schemeClr val="lt1"/>
+          </a:fontRef>
+        </p:style>
+        <p:txBody>
+          <a:bodyPr rtlCol="0" anchor="ctr"/>
+          <a:lstStyle/>
+          <a:p>
+            <a:pPr algn="ctr"/>
+            <a:r>
+              <a:rPr lang="ko-KR" altLang="en-US"/>
+              <a:t>판권</a:t>
+            </a:r>
+            <a:endParaRPr lang="ko-KR" altLang="en-US" dirty="0"/>
+          </a:p>
+        </p:txBody>
+      </p:sp>
+      <p:cxnSp>
+        <p:nvCxnSpPr>
+          <p:cNvPr id="36" name="직선 화살표 연결선 35">
+            <a:extLst>
+              <a:ext uri="{FF2B5EF4-FFF2-40B4-BE49-F238E27FC236}">
+                <a16:creationId xmlns:a16="http://schemas.microsoft.com/office/drawing/2014/main" id="{140B4AD0-1873-756B-CAEB-A023F567508F}"/>
+              </a:ext>
+            </a:extLst>
+          </p:cNvPr>
+          <p:cNvCxnSpPr>
+            <a:cxnSpLocks/>
+            <a:stCxn id="3" idx="2"/>
+            <a:endCxn id="35" idx="0"/>
+          </p:cNvCxnSpPr>
+          <p:nvPr/>
+        </p:nvCxnSpPr>
+        <p:spPr>
+          <a:xfrm>
+            <a:off x="2104696" y="2033751"/>
+            <a:ext cx="141890" cy="721274"/>
+          </a:xfrm>
+          <a:prstGeom prst="straightConnector1">
+            <a:avLst/>
+          </a:prstGeom>
+        </p:spPr>
+        <p:style>
+          <a:lnRef idx="1">
+            <a:schemeClr val="accent1"/>
+          </a:lnRef>
+          <a:fillRef idx="0">
+            <a:schemeClr val="accent1"/>
+          </a:fillRef>
+          <a:effectRef idx="0">
+            <a:schemeClr val="accent1"/>
+          </a:effectRef>
+          <a:fontRef idx="minor">
+            <a:schemeClr val="tx1"/>
+          </a:fontRef>
+        </p:style>
+      </p:cxnSp>
+      <p:cxnSp>
+        <p:nvCxnSpPr>
+          <p:cNvPr id="39" name="직선 화살표 연결선 38">
+            <a:extLst>
+              <a:ext uri="{FF2B5EF4-FFF2-40B4-BE49-F238E27FC236}">
+                <a16:creationId xmlns:a16="http://schemas.microsoft.com/office/drawing/2014/main" id="{9965F43F-15FB-3348-C8BA-CF795A73A119}"/>
+              </a:ext>
+            </a:extLst>
+          </p:cNvPr>
+          <p:cNvCxnSpPr>
+            <a:cxnSpLocks/>
+            <a:stCxn id="35" idx="2"/>
+            <a:endCxn id="4" idx="0"/>
+          </p:cNvCxnSpPr>
+          <p:nvPr/>
+        </p:nvCxnSpPr>
+        <p:spPr>
+          <a:xfrm flipH="1">
+            <a:off x="2104696" y="3669425"/>
+            <a:ext cx="141890" cy="1154825"/>
+          </a:xfrm>
+          <a:prstGeom prst="straightConnector1">
+            <a:avLst/>
+          </a:prstGeom>
+          <a:ln w="63500" cmpd="dbl"/>
+        </p:spPr>
+        <p:style>
+          <a:lnRef idx="1">
+            <a:schemeClr val="accent1"/>
+          </a:lnRef>
+          <a:fillRef idx="0">
+            <a:schemeClr val="accent1"/>
+          </a:fillRef>
+          <a:effectRef idx="0">
+            <a:schemeClr val="accent1"/>
+          </a:effectRef>
+          <a:fontRef idx="minor">
+            <a:schemeClr val="tx1"/>
+          </a:fontRef>
+        </p:style>
+      </p:cxnSp>
+      <p:sp>
+        <p:nvSpPr>
+          <p:cNvPr id="42" name="TextBox 41">
+            <a:extLst>
+              <a:ext uri="{FF2B5EF4-FFF2-40B4-BE49-F238E27FC236}">
+                <a16:creationId xmlns:a16="http://schemas.microsoft.com/office/drawing/2014/main" id="{C085F936-0E92-6A5C-27AB-4CD932D8B905}"/>
+              </a:ext>
+            </a:extLst>
+          </p:cNvPr>
+          <p:cNvSpPr txBox="1"/>
+          <p:nvPr/>
+        </p:nvSpPr>
+        <p:spPr>
+          <a:xfrm>
+            <a:off x="8618484" y="1207219"/>
+            <a:ext cx="914400" cy="369332"/>
+          </a:xfrm>
+          <a:prstGeom prst="rect">
+            <a:avLst/>
+          </a:prstGeom>
+          <a:noFill/>
+        </p:spPr>
+        <p:txBody>
+          <a:bodyPr wrap="square" rtlCol="0">
+            <a:spAutoFit/>
+          </a:bodyPr>
+          <a:lstStyle/>
+          <a:p>
+            <a:r>
+              <a:rPr lang="en-US" altLang="ko-KR" dirty="0"/>
+              <a:t>N</a:t>
+            </a:r>
+            <a:endParaRPr lang="ko-KR" altLang="en-US" dirty="0"/>
+          </a:p>
+        </p:txBody>
+      </p:sp>
+      <p:sp>
+        <p:nvSpPr>
+          <p:cNvPr id="43" name="TextBox 42">
+            <a:extLst>
+              <a:ext uri="{FF2B5EF4-FFF2-40B4-BE49-F238E27FC236}">
+                <a16:creationId xmlns:a16="http://schemas.microsoft.com/office/drawing/2014/main" id="{18D8A4C5-FD79-668B-D294-1279FBCEE518}"/>
+              </a:ext>
+            </a:extLst>
+          </p:cNvPr>
+          <p:cNvSpPr txBox="1"/>
+          <p:nvPr/>
+        </p:nvSpPr>
+        <p:spPr>
+          <a:xfrm>
+            <a:off x="2703786" y="1207219"/>
+            <a:ext cx="914400" cy="369332"/>
+          </a:xfrm>
+          <a:prstGeom prst="rect">
+            <a:avLst/>
+          </a:prstGeom>
+          <a:noFill/>
+        </p:spPr>
+        <p:txBody>
+          <a:bodyPr wrap="square" rtlCol="0">
+            <a:spAutoFit/>
+          </a:bodyPr>
+          <a:lstStyle/>
+          <a:p>
+            <a:r>
+              <a:rPr lang="en-US" altLang="ko-KR" dirty="0"/>
+              <a:t>N</a:t>
+            </a:r>
+            <a:endParaRPr lang="ko-KR" altLang="en-US" dirty="0"/>
+          </a:p>
+        </p:txBody>
+      </p:sp>
+      <p:sp>
+        <p:nvSpPr>
+          <p:cNvPr id="44" name="TextBox 43">
+            <a:extLst>
+              <a:ext uri="{FF2B5EF4-FFF2-40B4-BE49-F238E27FC236}">
+                <a16:creationId xmlns:a16="http://schemas.microsoft.com/office/drawing/2014/main" id="{3CB73C8D-88F0-17C2-2CD4-2AD656300DDE}"/>
+              </a:ext>
+            </a:extLst>
+          </p:cNvPr>
+          <p:cNvSpPr txBox="1"/>
+          <p:nvPr/>
+        </p:nvSpPr>
+        <p:spPr>
+          <a:xfrm>
+            <a:off x="2728748" y="5281449"/>
+            <a:ext cx="914400" cy="369332"/>
+          </a:xfrm>
+          <a:prstGeom prst="rect">
+            <a:avLst/>
+          </a:prstGeom>
+          <a:noFill/>
+        </p:spPr>
+        <p:txBody>
+          <a:bodyPr wrap="square" rtlCol="0">
+            <a:spAutoFit/>
+          </a:bodyPr>
+          <a:lstStyle/>
+          <a:p>
+            <a:r>
+              <a:rPr lang="en-US" altLang="ko-KR" dirty="0"/>
+              <a:t>N</a:t>
+            </a:r>
+            <a:endParaRPr lang="ko-KR" altLang="en-US" dirty="0"/>
+          </a:p>
+        </p:txBody>
+      </p:sp>
+      <p:sp>
+        <p:nvSpPr>
+          <p:cNvPr id="45" name="TextBox 44">
+            <a:extLst>
+              <a:ext uri="{FF2B5EF4-FFF2-40B4-BE49-F238E27FC236}">
+                <a16:creationId xmlns:a16="http://schemas.microsoft.com/office/drawing/2014/main" id="{DC713A4E-394E-B669-7192-EF34D55F9E39}"/>
+              </a:ext>
+            </a:extLst>
+          </p:cNvPr>
+          <p:cNvSpPr txBox="1"/>
+          <p:nvPr/>
+        </p:nvSpPr>
+        <p:spPr>
+          <a:xfrm>
+            <a:off x="2246586" y="2125560"/>
+            <a:ext cx="914400" cy="369332"/>
+          </a:xfrm>
+          <a:prstGeom prst="rect">
+            <a:avLst/>
+          </a:prstGeom>
+          <a:noFill/>
+        </p:spPr>
+        <p:txBody>
+          <a:bodyPr wrap="square" rtlCol="0">
+            <a:spAutoFit/>
+          </a:bodyPr>
+          <a:lstStyle/>
+          <a:p>
+            <a:r>
+              <a:rPr lang="en-US" altLang="ko-KR" dirty="0"/>
+              <a:t>1</a:t>
+            </a:r>
+            <a:endParaRPr lang="ko-KR" altLang="en-US" dirty="0"/>
+          </a:p>
+        </p:txBody>
+      </p:sp>
+      <p:sp>
+        <p:nvSpPr>
+          <p:cNvPr id="46" name="TextBox 45">
+            <a:extLst>
+              <a:ext uri="{FF2B5EF4-FFF2-40B4-BE49-F238E27FC236}">
+                <a16:creationId xmlns:a16="http://schemas.microsoft.com/office/drawing/2014/main" id="{7C8CF351-CE59-EC0C-1D2B-1E1C6CDFE8B1}"/>
+              </a:ext>
+            </a:extLst>
+          </p:cNvPr>
+          <p:cNvSpPr txBox="1"/>
+          <p:nvPr/>
+        </p:nvSpPr>
+        <p:spPr>
+          <a:xfrm>
+            <a:off x="2271548" y="4290771"/>
+            <a:ext cx="914400" cy="369332"/>
+          </a:xfrm>
+          <a:prstGeom prst="rect">
+            <a:avLst/>
+          </a:prstGeom>
+          <a:noFill/>
+        </p:spPr>
+        <p:txBody>
+          <a:bodyPr wrap="square" rtlCol="0">
+            <a:spAutoFit/>
+          </a:bodyPr>
+          <a:lstStyle/>
+          <a:p>
+            <a:r>
+              <a:rPr lang="en-US" altLang="ko-KR" dirty="0"/>
+              <a:t>N</a:t>
+            </a:r>
+            <a:endParaRPr lang="ko-KR" altLang="en-US" dirty="0"/>
+          </a:p>
+        </p:txBody>
+      </p:sp>
+      <p:sp>
+        <p:nvSpPr>
+          <p:cNvPr id="47" name="타원 46">
+            <a:extLst>
+              <a:ext uri="{FF2B5EF4-FFF2-40B4-BE49-F238E27FC236}">
+                <a16:creationId xmlns:a16="http://schemas.microsoft.com/office/drawing/2014/main" id="{72803A96-3931-A92C-A87E-7D3950C441E1}"/>
+              </a:ext>
+            </a:extLst>
+          </p:cNvPr>
+          <p:cNvSpPr/>
+          <p:nvPr/>
+        </p:nvSpPr>
+        <p:spPr>
+          <a:xfrm>
+            <a:off x="5638800" y="3833571"/>
+            <a:ext cx="914400" cy="914400"/>
+          </a:xfrm>
+          <a:prstGeom prst="ellipse">
+            <a:avLst/>
+          </a:prstGeom>
+        </p:spPr>
+        <p:style>
+          <a:lnRef idx="2">
+            <a:schemeClr val="accent1">
+              <a:shade val="50000"/>
+            </a:schemeClr>
+          </a:lnRef>
+          <a:fillRef idx="1">
+            <a:schemeClr val="accent1"/>
+          </a:fillRef>
+          <a:effectRef idx="0">
+            <a:schemeClr val="accent1"/>
+          </a:effectRef>
+          <a:fontRef idx="minor">
+            <a:schemeClr val="lt1"/>
+          </a:fontRef>
+        </p:style>
+        <p:txBody>
+          <a:bodyPr rtlCol="0" anchor="ctr"/>
+          <a:lstStyle/>
+          <a:p>
+            <a:pPr algn="ctr"/>
+            <a:r>
+              <a:rPr lang="ko-KR" altLang="en-US"/>
+              <a:t>사용량</a:t>
+            </a:r>
+            <a:endParaRPr lang="ko-KR" altLang="en-US" dirty="0"/>
+          </a:p>
+        </p:txBody>
+      </p:sp>
+      <p:sp>
+        <p:nvSpPr>
+          <p:cNvPr id="48" name="타원 47">
+            <a:extLst>
+              <a:ext uri="{FF2B5EF4-FFF2-40B4-BE49-F238E27FC236}">
+                <a16:creationId xmlns:a16="http://schemas.microsoft.com/office/drawing/2014/main" id="{63647A8C-3DD6-64C4-B772-891864D6FD90}"/>
+              </a:ext>
+            </a:extLst>
+          </p:cNvPr>
+          <p:cNvSpPr/>
+          <p:nvPr/>
+        </p:nvSpPr>
+        <p:spPr>
+          <a:xfrm>
+            <a:off x="8715704" y="2388475"/>
+            <a:ext cx="914400" cy="914400"/>
+          </a:xfrm>
+          <a:prstGeom prst="ellipse">
+            <a:avLst/>
+          </a:prstGeom>
+        </p:spPr>
+        <p:style>
+          <a:lnRef idx="2">
+            <a:schemeClr val="accent1">
+              <a:shade val="50000"/>
+            </a:schemeClr>
+          </a:lnRef>
+          <a:fillRef idx="1">
+            <a:schemeClr val="accent1"/>
+          </a:fillRef>
+          <a:effectRef idx="0">
+            <a:schemeClr val="accent1"/>
+          </a:effectRef>
+          <a:fontRef idx="minor">
+            <a:schemeClr val="lt1"/>
+          </a:fontRef>
+        </p:style>
+        <p:txBody>
+          <a:bodyPr rtlCol="0" anchor="ctr"/>
+          <a:lstStyle/>
+          <a:p>
+            <a:pPr algn="ctr"/>
+            <a:r>
+              <a:rPr lang="ko-KR" altLang="en-US"/>
+              <a:t>번호</a:t>
+            </a:r>
+            <a:endParaRPr lang="en-US" altLang="ko-KR" dirty="0"/>
+          </a:p>
+          <a:p>
+            <a:pPr algn="ctr"/>
+            <a:r>
+              <a:rPr lang="en-US" altLang="ko-KR" dirty="0"/>
+              <a:t>PK</a:t>
+            </a:r>
+            <a:endParaRPr lang="ko-KR" altLang="en-US" dirty="0"/>
+          </a:p>
+        </p:txBody>
+      </p:sp>
+      <p:sp>
+        <p:nvSpPr>
+          <p:cNvPr id="49" name="타원 48">
+            <a:extLst>
+              <a:ext uri="{FF2B5EF4-FFF2-40B4-BE49-F238E27FC236}">
+                <a16:creationId xmlns:a16="http://schemas.microsoft.com/office/drawing/2014/main" id="{8AD0B713-E5F0-7F59-EA3E-476A55F1D8F5}"/>
+              </a:ext>
+            </a:extLst>
+          </p:cNvPr>
+          <p:cNvSpPr/>
+          <p:nvPr/>
+        </p:nvSpPr>
+        <p:spPr>
+          <a:xfrm>
+            <a:off x="10187153" y="2310226"/>
+            <a:ext cx="914400" cy="914400"/>
+          </a:xfrm>
+          <a:prstGeom prst="ellipse">
+            <a:avLst/>
+          </a:prstGeom>
+        </p:spPr>
+        <p:style>
+          <a:lnRef idx="2">
+            <a:schemeClr val="accent1">
+              <a:shade val="50000"/>
+            </a:schemeClr>
+          </a:lnRef>
+          <a:fillRef idx="1">
+            <a:schemeClr val="accent1"/>
+          </a:fillRef>
+          <a:effectRef idx="0">
+            <a:schemeClr val="accent1"/>
+          </a:effectRef>
+          <a:fontRef idx="minor">
+            <a:schemeClr val="lt1"/>
+          </a:fontRef>
+        </p:style>
+        <p:txBody>
+          <a:bodyPr rtlCol="0" anchor="ctr"/>
+          <a:lstStyle/>
+          <a:p>
+            <a:pPr algn="ctr"/>
+            <a:r>
+              <a:rPr lang="ko-KR" altLang="en-US"/>
+              <a:t>이름</a:t>
+            </a:r>
+            <a:endParaRPr lang="ko-KR" altLang="en-US" dirty="0"/>
+          </a:p>
+        </p:txBody>
+      </p:sp>
+      <p:sp>
+        <p:nvSpPr>
+          <p:cNvPr id="50" name="타원 49">
+            <a:extLst>
+              <a:ext uri="{FF2B5EF4-FFF2-40B4-BE49-F238E27FC236}">
+                <a16:creationId xmlns:a16="http://schemas.microsoft.com/office/drawing/2014/main" id="{896F4D01-71B7-5EEE-907D-1C4B89C38334}"/>
+              </a:ext>
+            </a:extLst>
+          </p:cNvPr>
+          <p:cNvSpPr/>
+          <p:nvPr/>
+        </p:nvSpPr>
+        <p:spPr>
+          <a:xfrm>
+            <a:off x="10736320" y="662151"/>
+            <a:ext cx="914400" cy="914400"/>
+          </a:xfrm>
+          <a:prstGeom prst="ellipse">
+            <a:avLst/>
+          </a:prstGeom>
+        </p:spPr>
+        <p:style>
+          <a:lnRef idx="2">
+            <a:schemeClr val="accent1">
+              <a:shade val="50000"/>
+            </a:schemeClr>
+          </a:lnRef>
+          <a:fillRef idx="1">
+            <a:schemeClr val="accent1"/>
+          </a:fillRef>
+          <a:effectRef idx="0">
+            <a:schemeClr val="accent1"/>
+          </a:effectRef>
+          <a:fontRef idx="minor">
+            <a:schemeClr val="lt1"/>
+          </a:fontRef>
+        </p:style>
+        <p:txBody>
+          <a:bodyPr rtlCol="0" anchor="ctr"/>
+          <a:lstStyle/>
+          <a:p>
+            <a:pPr algn="ctr"/>
+            <a:r>
+              <a:rPr lang="ko-KR" altLang="en-US"/>
+              <a:t>제작년도</a:t>
+            </a:r>
+            <a:endParaRPr lang="ko-KR" altLang="en-US" dirty="0"/>
+          </a:p>
+        </p:txBody>
+      </p:sp>
+      <p:sp>
+        <p:nvSpPr>
+          <p:cNvPr id="51" name="타원 50">
+            <a:extLst>
+              <a:ext uri="{FF2B5EF4-FFF2-40B4-BE49-F238E27FC236}">
+                <a16:creationId xmlns:a16="http://schemas.microsoft.com/office/drawing/2014/main" id="{05B46DD2-DE97-70AB-EE56-2CA0A33DDDA7}"/>
+              </a:ext>
+            </a:extLst>
+          </p:cNvPr>
+          <p:cNvSpPr/>
+          <p:nvPr/>
+        </p:nvSpPr>
+        <p:spPr>
+          <a:xfrm>
+            <a:off x="3185948" y="878925"/>
+            <a:ext cx="914400" cy="914400"/>
+          </a:xfrm>
+          <a:prstGeom prst="ellipse">
+            <a:avLst/>
+          </a:prstGeom>
+        </p:spPr>
+        <p:style>
+          <a:lnRef idx="2">
+            <a:schemeClr val="accent1">
+              <a:shade val="50000"/>
+            </a:schemeClr>
+          </a:lnRef>
+          <a:fillRef idx="1">
+            <a:schemeClr val="accent1"/>
+          </a:fillRef>
+          <a:effectRef idx="0">
+            <a:schemeClr val="accent1"/>
+          </a:effectRef>
+          <a:fontRef idx="minor">
+            <a:schemeClr val="lt1"/>
+          </a:fontRef>
+        </p:style>
+        <p:txBody>
+          <a:bodyPr rtlCol="0" anchor="ctr"/>
+          <a:lstStyle/>
+          <a:p>
+            <a:pPr algn="ctr"/>
+            <a:r>
+              <a:rPr lang="ko-KR" altLang="en-US" dirty="0"/>
+              <a:t>번호</a:t>
+            </a:r>
+            <a:endParaRPr lang="en-US" altLang="ko-KR" dirty="0"/>
+          </a:p>
+          <a:p>
+            <a:pPr algn="ctr"/>
+            <a:r>
+              <a:rPr lang="en-US" altLang="ko-KR" dirty="0"/>
+              <a:t>PK</a:t>
+            </a:r>
+            <a:endParaRPr lang="ko-KR" altLang="en-US" dirty="0"/>
+          </a:p>
+        </p:txBody>
+      </p:sp>
+      <p:sp>
+        <p:nvSpPr>
+          <p:cNvPr id="52" name="타원 51">
+            <a:extLst>
+              <a:ext uri="{FF2B5EF4-FFF2-40B4-BE49-F238E27FC236}">
+                <a16:creationId xmlns:a16="http://schemas.microsoft.com/office/drawing/2014/main" id="{A5E93367-8BDA-9D70-97AC-D2FDCD921917}"/>
+              </a:ext>
+            </a:extLst>
+          </p:cNvPr>
+          <p:cNvSpPr/>
+          <p:nvPr/>
+        </p:nvSpPr>
+        <p:spPr>
+          <a:xfrm>
+            <a:off x="250934" y="1474075"/>
+            <a:ext cx="914400" cy="914400"/>
+          </a:xfrm>
+          <a:prstGeom prst="ellipse">
+            <a:avLst/>
+          </a:prstGeom>
+        </p:spPr>
+        <p:style>
+          <a:lnRef idx="2">
+            <a:schemeClr val="accent1">
+              <a:shade val="50000"/>
+            </a:schemeClr>
+          </a:lnRef>
+          <a:fillRef idx="1">
+            <a:schemeClr val="accent1"/>
+          </a:fillRef>
+          <a:effectRef idx="0">
+            <a:schemeClr val="accent1"/>
+          </a:effectRef>
+          <a:fontRef idx="minor">
+            <a:schemeClr val="lt1"/>
+          </a:fontRef>
+        </p:style>
+        <p:txBody>
+          <a:bodyPr rtlCol="0" anchor="ctr"/>
+          <a:lstStyle/>
+          <a:p>
+            <a:pPr algn="ctr"/>
+            <a:r>
+              <a:rPr lang="ko-KR" altLang="en-US"/>
+              <a:t>국가</a:t>
+            </a:r>
+            <a:endParaRPr lang="ko-KR" altLang="en-US" dirty="0"/>
+          </a:p>
+        </p:txBody>
+      </p:sp>
+      <p:sp>
+        <p:nvSpPr>
+          <p:cNvPr id="53" name="타원 52">
+            <a:extLst>
+              <a:ext uri="{FF2B5EF4-FFF2-40B4-BE49-F238E27FC236}">
+                <a16:creationId xmlns:a16="http://schemas.microsoft.com/office/drawing/2014/main" id="{0E9E445B-619A-C1EC-5066-DD64781AEA1B}"/>
+              </a:ext>
+            </a:extLst>
+          </p:cNvPr>
+          <p:cNvSpPr/>
+          <p:nvPr/>
+        </p:nvSpPr>
+        <p:spPr>
+          <a:xfrm>
+            <a:off x="336330" y="433508"/>
+            <a:ext cx="914400" cy="914400"/>
+          </a:xfrm>
+          <a:prstGeom prst="ellipse">
+            <a:avLst/>
+          </a:prstGeom>
+        </p:spPr>
+        <p:style>
+          <a:lnRef idx="2">
+            <a:schemeClr val="accent1">
+              <a:shade val="50000"/>
+            </a:schemeClr>
+          </a:lnRef>
+          <a:fillRef idx="1">
+            <a:schemeClr val="accent1"/>
+          </a:fillRef>
+          <a:effectRef idx="0">
+            <a:schemeClr val="accent1"/>
+          </a:effectRef>
+          <a:fontRef idx="minor">
+            <a:schemeClr val="lt1"/>
+          </a:fontRef>
+        </p:style>
+        <p:txBody>
+          <a:bodyPr rtlCol="0" anchor="ctr"/>
+          <a:lstStyle/>
+          <a:p>
+            <a:pPr algn="ctr"/>
+            <a:r>
+              <a:rPr lang="ko-KR" altLang="en-US"/>
+              <a:t>도시</a:t>
+            </a:r>
+            <a:endParaRPr lang="ko-KR" altLang="en-US" dirty="0"/>
+          </a:p>
+        </p:txBody>
+      </p:sp>
+      <p:sp>
+        <p:nvSpPr>
+          <p:cNvPr id="54" name="타원 53">
+            <a:extLst>
+              <a:ext uri="{FF2B5EF4-FFF2-40B4-BE49-F238E27FC236}">
+                <a16:creationId xmlns:a16="http://schemas.microsoft.com/office/drawing/2014/main" id="{789343CC-23D6-2047-691A-B13D646E00AE}"/>
+              </a:ext>
+            </a:extLst>
+          </p:cNvPr>
+          <p:cNvSpPr/>
+          <p:nvPr/>
+        </p:nvSpPr>
+        <p:spPr>
+          <a:xfrm>
+            <a:off x="1905657" y="149114"/>
+            <a:ext cx="914400" cy="914400"/>
+          </a:xfrm>
+          <a:prstGeom prst="ellipse">
+            <a:avLst/>
+          </a:prstGeom>
+        </p:spPr>
+        <p:style>
+          <a:lnRef idx="2">
+            <a:schemeClr val="accent1">
+              <a:shade val="50000"/>
+            </a:schemeClr>
+          </a:lnRef>
+          <a:fillRef idx="1">
+            <a:schemeClr val="accent1"/>
+          </a:fillRef>
+          <a:effectRef idx="0">
+            <a:schemeClr val="accent1"/>
+          </a:effectRef>
+          <a:fontRef idx="minor">
+            <a:schemeClr val="lt1"/>
+          </a:fontRef>
+        </p:style>
+        <p:txBody>
+          <a:bodyPr rtlCol="0" anchor="ctr"/>
+          <a:lstStyle/>
+          <a:p>
+            <a:pPr algn="ctr"/>
+            <a:r>
+              <a:rPr lang="ko-KR" altLang="en-US"/>
+              <a:t>이름</a:t>
+            </a:r>
+            <a:endParaRPr lang="ko-KR" altLang="en-US" dirty="0"/>
+          </a:p>
+        </p:txBody>
+      </p:sp>
+      <p:sp>
+        <p:nvSpPr>
+          <p:cNvPr id="55" name="타원 54">
+            <a:extLst>
+              <a:ext uri="{FF2B5EF4-FFF2-40B4-BE49-F238E27FC236}">
+                <a16:creationId xmlns:a16="http://schemas.microsoft.com/office/drawing/2014/main" id="{7328C9BA-7B13-0A7B-D636-C9189BDEFD5C}"/>
+              </a:ext>
+            </a:extLst>
+          </p:cNvPr>
+          <p:cNvSpPr/>
+          <p:nvPr/>
+        </p:nvSpPr>
+        <p:spPr>
+          <a:xfrm>
+            <a:off x="286408" y="4126625"/>
+            <a:ext cx="914400" cy="914400"/>
+          </a:xfrm>
+          <a:prstGeom prst="ellipse">
+            <a:avLst/>
+          </a:prstGeom>
+        </p:spPr>
+        <p:style>
+          <a:lnRef idx="2">
+            <a:schemeClr val="accent1">
+              <a:shade val="50000"/>
+            </a:schemeClr>
+          </a:lnRef>
+          <a:fillRef idx="1">
+            <a:schemeClr val="accent1"/>
+          </a:fillRef>
+          <a:effectRef idx="0">
+            <a:schemeClr val="accent1"/>
+          </a:effectRef>
+          <a:fontRef idx="minor">
+            <a:schemeClr val="lt1"/>
+          </a:fontRef>
+        </p:style>
+        <p:txBody>
+          <a:bodyPr rtlCol="0" anchor="ctr"/>
+          <a:lstStyle/>
+          <a:p>
+            <a:pPr algn="ctr"/>
+            <a:r>
+              <a:rPr lang="ko-KR" altLang="en-US"/>
+              <a:t>번호</a:t>
+            </a:r>
+            <a:endParaRPr lang="en-US" altLang="ko-KR" dirty="0"/>
+          </a:p>
+          <a:p>
+            <a:pPr algn="ctr"/>
+            <a:r>
+              <a:rPr lang="en-US" altLang="ko-KR" dirty="0"/>
+              <a:t>ID</a:t>
+            </a:r>
+            <a:endParaRPr lang="ko-KR" altLang="en-US" dirty="0"/>
+          </a:p>
+        </p:txBody>
+      </p:sp>
+      <p:sp>
+        <p:nvSpPr>
+          <p:cNvPr id="57" name="타원 56">
+            <a:extLst>
+              <a:ext uri="{FF2B5EF4-FFF2-40B4-BE49-F238E27FC236}">
+                <a16:creationId xmlns:a16="http://schemas.microsoft.com/office/drawing/2014/main" id="{B3FC634B-EBC4-22B9-DEF9-72248DFB305B}"/>
+              </a:ext>
+            </a:extLst>
+          </p:cNvPr>
+          <p:cNvSpPr/>
+          <p:nvPr/>
+        </p:nvSpPr>
+        <p:spPr>
+          <a:xfrm>
+            <a:off x="346841" y="5383925"/>
+            <a:ext cx="914400" cy="914400"/>
+          </a:xfrm>
+          <a:prstGeom prst="ellipse">
+            <a:avLst/>
+          </a:prstGeom>
+        </p:spPr>
+        <p:style>
+          <a:lnRef idx="2">
+            <a:schemeClr val="accent1">
+              <a:shade val="50000"/>
+            </a:schemeClr>
+          </a:lnRef>
+          <a:fillRef idx="1">
+            <a:schemeClr val="accent1"/>
+          </a:fillRef>
+          <a:effectRef idx="0">
+            <a:schemeClr val="accent1"/>
+          </a:effectRef>
+          <a:fontRef idx="minor">
+            <a:schemeClr val="lt1"/>
+          </a:fontRef>
+        </p:style>
+        <p:txBody>
+          <a:bodyPr rtlCol="0" anchor="ctr"/>
+          <a:lstStyle/>
+          <a:p>
+            <a:pPr algn="ctr"/>
+            <a:r>
+              <a:rPr lang="ko-KR" altLang="en-US"/>
+              <a:t>이름</a:t>
+            </a:r>
+            <a:endParaRPr lang="ko-KR" altLang="en-US" dirty="0"/>
+          </a:p>
+        </p:txBody>
+      </p:sp>
+      <p:sp>
+        <p:nvSpPr>
+          <p:cNvPr id="58" name="TextBox 57">
+            <a:extLst>
+              <a:ext uri="{FF2B5EF4-FFF2-40B4-BE49-F238E27FC236}">
+                <a16:creationId xmlns:a16="http://schemas.microsoft.com/office/drawing/2014/main" id="{2A71C41B-9D28-34F2-0B14-8415A336295A}"/>
+              </a:ext>
+            </a:extLst>
+          </p:cNvPr>
+          <p:cNvSpPr txBox="1"/>
+          <p:nvPr/>
+        </p:nvSpPr>
+        <p:spPr>
+          <a:xfrm>
+            <a:off x="1098329" y="2197898"/>
+            <a:ext cx="914400" cy="369332"/>
+          </a:xfrm>
+          <a:prstGeom prst="rect">
+            <a:avLst/>
+          </a:prstGeom>
+          <a:noFill/>
+        </p:spPr>
+        <p:txBody>
+          <a:bodyPr wrap="square" rtlCol="0">
+            <a:spAutoFit/>
+          </a:bodyPr>
+          <a:lstStyle/>
+          <a:p>
+            <a:r>
+              <a:rPr lang="en-US" altLang="ko-KR" dirty="0"/>
+              <a:t>(1, *_)</a:t>
+            </a:r>
+            <a:endParaRPr lang="ko-KR" altLang="en-US" dirty="0"/>
+          </a:p>
+        </p:txBody>
+      </p:sp>
+      <p:sp>
+        <p:nvSpPr>
+          <p:cNvPr id="59" name="TextBox 58">
+            <a:extLst>
+              <a:ext uri="{FF2B5EF4-FFF2-40B4-BE49-F238E27FC236}">
+                <a16:creationId xmlns:a16="http://schemas.microsoft.com/office/drawing/2014/main" id="{93D58132-4862-E90B-97EF-1257BAE40F92}"/>
+              </a:ext>
+            </a:extLst>
+          </p:cNvPr>
+          <p:cNvSpPr txBox="1"/>
+          <p:nvPr/>
+        </p:nvSpPr>
+        <p:spPr>
+          <a:xfrm>
+            <a:off x="8726871" y="1954690"/>
+            <a:ext cx="914400" cy="369332"/>
+          </a:xfrm>
+          <a:prstGeom prst="rect">
+            <a:avLst/>
+          </a:prstGeom>
+          <a:noFill/>
+        </p:spPr>
+        <p:txBody>
+          <a:bodyPr wrap="square" rtlCol="0">
+            <a:spAutoFit/>
+          </a:bodyPr>
+          <a:lstStyle/>
+          <a:p>
+            <a:r>
+              <a:rPr lang="en-US" altLang="ko-KR" dirty="0"/>
+              <a:t>(0, *_)</a:t>
+            </a:r>
+            <a:endParaRPr lang="ko-KR" altLang="en-US" dirty="0"/>
+          </a:p>
+        </p:txBody>
+      </p:sp>
+      <p:sp>
+        <p:nvSpPr>
+          <p:cNvPr id="60" name="TextBox 59">
+            <a:extLst>
+              <a:ext uri="{FF2B5EF4-FFF2-40B4-BE49-F238E27FC236}">
+                <a16:creationId xmlns:a16="http://schemas.microsoft.com/office/drawing/2014/main" id="{7950F77D-07CE-A433-377F-38DB39825B9D}"/>
+              </a:ext>
+            </a:extLst>
+          </p:cNvPr>
+          <p:cNvSpPr txBox="1"/>
+          <p:nvPr/>
+        </p:nvSpPr>
+        <p:spPr>
+          <a:xfrm>
+            <a:off x="1413641" y="4535794"/>
+            <a:ext cx="914400" cy="369332"/>
+          </a:xfrm>
+          <a:prstGeom prst="rect">
+            <a:avLst/>
+          </a:prstGeom>
+          <a:noFill/>
+        </p:spPr>
+        <p:txBody>
+          <a:bodyPr wrap="square" rtlCol="0">
+            <a:spAutoFit/>
+          </a:bodyPr>
+          <a:lstStyle/>
+          <a:p>
+            <a:r>
+              <a:rPr lang="en-US" altLang="ko-KR" dirty="0"/>
+              <a:t>(1, 1)</a:t>
+            </a:r>
+            <a:endParaRPr lang="ko-KR" altLang="en-US" dirty="0"/>
+          </a:p>
+        </p:txBody>
+      </p:sp>
+      <p:sp>
+        <p:nvSpPr>
+          <p:cNvPr id="61" name="TextBox 60">
+            <a:extLst>
+              <a:ext uri="{FF2B5EF4-FFF2-40B4-BE49-F238E27FC236}">
+                <a16:creationId xmlns:a16="http://schemas.microsoft.com/office/drawing/2014/main" id="{E665842F-91F3-6DFF-D780-7A5B659D85D7}"/>
+              </a:ext>
+            </a:extLst>
+          </p:cNvPr>
+          <p:cNvSpPr txBox="1"/>
+          <p:nvPr/>
+        </p:nvSpPr>
+        <p:spPr>
+          <a:xfrm>
+            <a:off x="2885417" y="2250525"/>
+            <a:ext cx="914400" cy="369332"/>
+          </a:xfrm>
+          <a:prstGeom prst="rect">
+            <a:avLst/>
+          </a:prstGeom>
+          <a:noFill/>
+        </p:spPr>
+        <p:txBody>
+          <a:bodyPr wrap="square" rtlCol="0">
+            <a:spAutoFit/>
+          </a:bodyPr>
+          <a:lstStyle/>
+          <a:p>
+            <a:r>
+              <a:rPr lang="en-US" altLang="ko-KR" dirty="0"/>
+              <a:t>(0, *_)</a:t>
+            </a:r>
+            <a:endParaRPr lang="ko-KR" altLang="en-US" dirty="0"/>
+          </a:p>
+        </p:txBody>
+      </p:sp>
+      <p:sp>
+        <p:nvSpPr>
+          <p:cNvPr id="62" name="TextBox 61">
+            <a:extLst>
+              <a:ext uri="{FF2B5EF4-FFF2-40B4-BE49-F238E27FC236}">
+                <a16:creationId xmlns:a16="http://schemas.microsoft.com/office/drawing/2014/main" id="{8A1BEF82-A556-866F-4ED9-5111D34D7F9E}"/>
+              </a:ext>
+            </a:extLst>
+          </p:cNvPr>
+          <p:cNvSpPr txBox="1"/>
+          <p:nvPr/>
+        </p:nvSpPr>
+        <p:spPr>
+          <a:xfrm>
+            <a:off x="2895600" y="5014593"/>
+            <a:ext cx="914400" cy="369332"/>
+          </a:xfrm>
+          <a:prstGeom prst="rect">
+            <a:avLst/>
+          </a:prstGeom>
+          <a:noFill/>
+        </p:spPr>
+        <p:txBody>
+          <a:bodyPr wrap="square" rtlCol="0">
+            <a:spAutoFit/>
+          </a:bodyPr>
+          <a:lstStyle/>
+          <a:p>
+            <a:r>
+              <a:rPr lang="en-US" altLang="ko-KR" dirty="0"/>
+              <a:t>(0, *_)</a:t>
+            </a:r>
+            <a:endParaRPr lang="ko-KR" altLang="en-US" dirty="0"/>
+          </a:p>
+        </p:txBody>
+      </p:sp>
+    </p:spTree>
+    <p:extLst>
+      <p:ext uri="{BB962C8B-B14F-4D97-AF65-F5344CB8AC3E}">
+        <p14:creationId xmlns:p14="http://schemas.microsoft.com/office/powerpoint/2010/main" val="4086175987"/>
+      </p:ext>
+    </p:extLst>
+  </p:cSld>
+  <p:clrMapOvr>
+    <a:masterClrMapping/>
+  </p:clrMapOvr>
+</p:sld>
+</file>
+
 <file path=ppt/theme/theme1.xml><?xml version="1.0" encoding="utf-8"?>
 <a:theme xmlns:a="http://schemas.openxmlformats.org/drawingml/2006/main" name="Office 테마">
   <a:themeElements>
